--- a/PROJECT/PRESENTATION/TINF21C_PRESENTATION_Team_2_DigitalNameplate_1v2.pptx
+++ b/PROJECT/PRESENTATION/TINF21C_PRESENTATION_Team_2_DigitalNameplate_1v2.pptx
@@ -207,7 +207,7 @@
     <p1510:client id="{534C996E-E025-CDE5-DE72-A5BFA823F42D}" v="172" dt="2022-11-06T13:03:08.190"/>
     <p1510:client id="{58D038D6-1BA5-07F6-6AA5-2676873CB0D1}" v="1530" dt="2022-11-06T16:38:22.912"/>
     <p1510:client id="{8AC7ACCE-A26F-F8CF-C623-266FA42F3F2A}" v="486" dt="2022-11-06T20:40:27.238"/>
-    <p1510:client id="{CE444F0A-504E-F0C6-477D-87DA12B78105}" v="6" dt="2022-11-06T09:42:34.126"/>
+    <p1510:client id="{AFE65B81-D1E1-45F7-869C-09A97134AF58}" v="5" dt="2022-11-07T12:27:41.140"/>
     <p1510:client id="{D68639B2-5A0E-7130-CFFD-5898D6D3105C}" v="731" dt="2022-11-06T13:37:08.390"/>
   </p1510:revLst>
 </p1510:revInfo>
@@ -295,7 +295,7 @@
           <a:p>
             <a:fld id="{BB751196-BF3E-43A0-B7F7-17703D112B68}" type="datetimeFigureOut">
               <a:rPr lang="en-GB" smtClean="0"/>
-              <a:t>06/11/2022</a:t>
+              <a:t>07/11/2022</a:t>
             </a:fld>
             <a:endParaRPr lang="en-GB"/>
           </a:p>
@@ -1033,7 +1033,7 @@
             </a:pPr>
             <a:fld id="{E367DDAF-AB00-4294-8007-0ECA1E8A4D70}" type="datetime1">
               <a:rPr lang="de-DE" smtClean="0"/>
-              <a:t>06.11.2022</a:t>
+              <a:t>07.11.2022</a:t>
             </a:fld>
             <a:endParaRPr lang="de-DE" sz="1400"/>
           </a:p>
@@ -1321,7 +1321,7 @@
             </a:pPr>
             <a:fld id="{787F5E39-25BF-4339-ADD5-F4437561E2DD}" type="datetime1">
               <a:rPr lang="de-DE" smtClean="0"/>
-              <a:t>06.11.2022</a:t>
+              <a:t>07.11.2022</a:t>
             </a:fld>
             <a:endParaRPr lang="de-DE" sz="1400"/>
           </a:p>
@@ -1587,7 +1587,7 @@
             </a:pPr>
             <a:fld id="{BF1BD11E-EB41-475D-A2F4-1153A91D530D}" type="datetime1">
               <a:rPr lang="de-DE" smtClean="0"/>
-              <a:t>06.11.2022</a:t>
+              <a:t>07.11.2022</a:t>
             </a:fld>
             <a:endParaRPr lang="de-DE" sz="1400"/>
           </a:p>
@@ -1768,7 +1768,7 @@
             </a:pPr>
             <a:fld id="{CFFF0A17-DD2C-4F22-A43B-840762752008}" type="datetime1">
               <a:rPr lang="de-DE" smtClean="0"/>
-              <a:t>06.11.2022</a:t>
+              <a:t>07.11.2022</a:t>
             </a:fld>
             <a:endParaRPr lang="de-DE" sz="1400"/>
           </a:p>
@@ -1959,7 +1959,7 @@
             </a:pPr>
             <a:fld id="{B39E2442-C7B3-46E7-BEEA-B28CD0C9531C}" type="datetime1">
               <a:rPr lang="de-DE" smtClean="0"/>
-              <a:t>06.11.2022</a:t>
+              <a:t>07.11.2022</a:t>
             </a:fld>
             <a:endParaRPr lang="de-DE" sz="1400"/>
           </a:p>
@@ -2140,7 +2140,7 @@
             </a:pPr>
             <a:fld id="{4B1FA66E-00EA-4204-8E89-25FED2A62DA2}" type="datetime1">
               <a:rPr lang="de-DE" smtClean="0"/>
-              <a:t>06.11.2022</a:t>
+              <a:t>07.11.2022</a:t>
             </a:fld>
             <a:endParaRPr lang="de-DE" sz="1400"/>
           </a:p>
@@ -2200,384 +2200,6 @@
 </file>
 
 <file path=ppt/slideLayouts/slideLayout3.xml><?xml version="1.0" encoding="utf-8"?>
-<p:sldLayout xmlns:a="http://schemas.openxmlformats.org/drawingml/2006/main" xmlns:r="http://schemas.openxmlformats.org/officeDocument/2006/relationships" xmlns:p="http://schemas.openxmlformats.org/presentationml/2006/main" preserve="1" userDrawn="1">
-  <p:cSld name="2_Titel und Inhalt">
-    <p:spTree>
-      <p:nvGrpSpPr>
-        <p:cNvPr id="1" name=""/>
-        <p:cNvGrpSpPr/>
-        <p:nvPr/>
-      </p:nvGrpSpPr>
-      <p:grpSpPr>
-        <a:xfrm>
-          <a:off x="0" y="0"/>
-          <a:ext cx="0" cy="0"/>
-          <a:chOff x="0" y="0"/>
-          <a:chExt cx="0" cy="0"/>
-        </a:xfrm>
-      </p:grpSpPr>
-      <p:sp>
-        <p:nvSpPr>
-          <p:cNvPr id="2" name="Titel 1"/>
-          <p:cNvSpPr>
-            <a:spLocks noGrp="1"/>
-          </p:cNvSpPr>
-          <p:nvPr>
-            <p:ph type="title"/>
-          </p:nvPr>
-        </p:nvSpPr>
-        <p:spPr/>
-        <p:txBody>
-          <a:bodyPr/>
-          <a:lstStyle/>
-          <a:p>
-            <a:r>
-              <a:rPr lang="de-DE"/>
-              <a:t>Titelmasterformat durch Klicken bearbeiten</a:t>
-            </a:r>
-          </a:p>
-        </p:txBody>
-      </p:sp>
-      <p:sp>
-        <p:nvSpPr>
-          <p:cNvPr id="4" name="Rectangle 4">
-            <a:extLst>
-              <a:ext uri="{FF2B5EF4-FFF2-40B4-BE49-F238E27FC236}">
-                <a16:creationId xmlns:a16="http://schemas.microsoft.com/office/drawing/2014/main" id="{A5C98357-6043-FCE2-4324-731C81434CFE}"/>
-              </a:ext>
-            </a:extLst>
-          </p:cNvPr>
-          <p:cNvSpPr>
-            <a:spLocks noGrp="1" noChangeArrowheads="1"/>
-          </p:cNvSpPr>
-          <p:nvPr>
-            <p:ph type="dt" sz="half" idx="10"/>
-          </p:nvPr>
-        </p:nvSpPr>
-        <p:spPr>
-          <a:ln/>
-        </p:spPr>
-        <p:txBody>
-          <a:bodyPr/>
-          <a:lstStyle>
-            <a:lvl1pPr>
-              <a:defRPr/>
-            </a:lvl1pPr>
-          </a:lstStyle>
-          <a:p>
-            <a:pPr>
-              <a:defRPr/>
-            </a:pPr>
-            <a:fld id="{D0B706FE-5D06-4B9B-9DD2-7B70DD32ABC5}" type="datetime1">
-              <a:rPr lang="de-DE" smtClean="0"/>
-              <a:t>06.11.2022</a:t>
-            </a:fld>
-            <a:endParaRPr lang="de-DE" sz="1400"/>
-          </a:p>
-        </p:txBody>
-      </p:sp>
-      <p:sp>
-        <p:nvSpPr>
-          <p:cNvPr id="5" name="Rectangle 6">
-            <a:extLst>
-              <a:ext uri="{FF2B5EF4-FFF2-40B4-BE49-F238E27FC236}">
-                <a16:creationId xmlns:a16="http://schemas.microsoft.com/office/drawing/2014/main" id="{7A668E77-38A9-845E-4C36-E01FA1E1D1CA}"/>
-              </a:ext>
-            </a:extLst>
-          </p:cNvPr>
-          <p:cNvSpPr>
-            <a:spLocks noGrp="1" noChangeArrowheads="1"/>
-          </p:cNvSpPr>
-          <p:nvPr>
-            <p:ph type="sldNum" sz="quarter" idx="11"/>
-          </p:nvPr>
-        </p:nvSpPr>
-        <p:spPr>
-          <a:ln/>
-        </p:spPr>
-        <p:txBody>
-          <a:bodyPr/>
-          <a:lstStyle>
-            <a:lvl1pPr>
-              <a:defRPr/>
-            </a:lvl1pPr>
-          </a:lstStyle>
-          <a:p>
-            <a:r>
-              <a:rPr lang="de-DE" altLang="de-DE"/>
-              <a:t>Seite </a:t>
-            </a:r>
-            <a:fld id="{9790DF0C-26B5-4709-84C7-3DE6E5CDD058}" type="slidenum">
-              <a:rPr lang="de-DE" altLang="de-DE"/>
-              <a:pPr/>
-              <a:t>‹Nr.›</a:t>
-            </a:fld>
-            <a:endParaRPr lang="de-DE" altLang="de-DE"/>
-          </a:p>
-        </p:txBody>
-      </p:sp>
-      <p:sp>
-        <p:nvSpPr>
-          <p:cNvPr id="7" name="Inhaltsplatzhalter 2">
-            <a:extLst>
-              <a:ext uri="{FF2B5EF4-FFF2-40B4-BE49-F238E27FC236}">
-                <a16:creationId xmlns:a16="http://schemas.microsoft.com/office/drawing/2014/main" id="{26FD0F1E-C72C-CE01-F3DA-5006193F05D7}"/>
-              </a:ext>
-            </a:extLst>
-          </p:cNvPr>
-          <p:cNvSpPr>
-            <a:spLocks noGrp="1"/>
-          </p:cNvSpPr>
-          <p:nvPr>
-            <p:ph idx="1"/>
-          </p:nvPr>
-        </p:nvSpPr>
-        <p:spPr>
-          <a:xfrm>
-            <a:off x="937848" y="2192339"/>
-            <a:ext cx="4083604" cy="1831022"/>
-          </a:xfrm>
-        </p:spPr>
-        <p:txBody>
-          <a:bodyPr/>
-          <a:lstStyle/>
-          <a:p>
-            <a:pPr lvl="0"/>
-            <a:r>
-              <a:rPr lang="de-DE"/>
-              <a:t>Textmasterformat bearbeiten</a:t>
-            </a:r>
-          </a:p>
-          <a:p>
-            <a:pPr lvl="1"/>
-            <a:r>
-              <a:rPr lang="de-DE"/>
-              <a:t>Zweite Ebene</a:t>
-            </a:r>
-          </a:p>
-          <a:p>
-            <a:pPr lvl="2"/>
-            <a:r>
-              <a:rPr lang="de-DE"/>
-              <a:t>Dritte Ebene</a:t>
-            </a:r>
-          </a:p>
-          <a:p>
-            <a:pPr lvl="3"/>
-            <a:r>
-              <a:rPr lang="de-DE"/>
-              <a:t>Vierte Ebene</a:t>
-            </a:r>
-          </a:p>
-          <a:p>
-            <a:pPr lvl="4"/>
-            <a:r>
-              <a:rPr lang="de-DE"/>
-              <a:t>Fünfte Ebene</a:t>
-            </a:r>
-          </a:p>
-        </p:txBody>
-      </p:sp>
-      <p:sp>
-        <p:nvSpPr>
-          <p:cNvPr id="8" name="Inhaltsplatzhalter 2">
-            <a:extLst>
-              <a:ext uri="{FF2B5EF4-FFF2-40B4-BE49-F238E27FC236}">
-                <a16:creationId xmlns:a16="http://schemas.microsoft.com/office/drawing/2014/main" id="{A8E6E012-86AD-80D7-33F0-3A0D23D47EBF}"/>
-              </a:ext>
-            </a:extLst>
-          </p:cNvPr>
-          <p:cNvSpPr>
-            <a:spLocks noGrp="1"/>
-          </p:cNvSpPr>
-          <p:nvPr>
-            <p:ph idx="12"/>
-          </p:nvPr>
-        </p:nvSpPr>
-        <p:spPr>
-          <a:xfrm>
-            <a:off x="937848" y="4175761"/>
-            <a:ext cx="4083604" cy="1961651"/>
-          </a:xfrm>
-        </p:spPr>
-        <p:txBody>
-          <a:bodyPr/>
-          <a:lstStyle/>
-          <a:p>
-            <a:pPr lvl="0"/>
-            <a:r>
-              <a:rPr lang="de-DE"/>
-              <a:t>Textmasterformat bearbeiten</a:t>
-            </a:r>
-          </a:p>
-          <a:p>
-            <a:pPr lvl="1"/>
-            <a:r>
-              <a:rPr lang="de-DE"/>
-              <a:t>Zweite Ebene</a:t>
-            </a:r>
-          </a:p>
-          <a:p>
-            <a:pPr lvl="2"/>
-            <a:r>
-              <a:rPr lang="de-DE"/>
-              <a:t>Dritte Ebene</a:t>
-            </a:r>
-          </a:p>
-          <a:p>
-            <a:pPr lvl="3"/>
-            <a:r>
-              <a:rPr lang="de-DE"/>
-              <a:t>Vierte Ebene</a:t>
-            </a:r>
-          </a:p>
-          <a:p>
-            <a:pPr lvl="4"/>
-            <a:r>
-              <a:rPr lang="de-DE"/>
-              <a:t>Fünfte Ebene</a:t>
-            </a:r>
-          </a:p>
-        </p:txBody>
-      </p:sp>
-      <p:sp>
-        <p:nvSpPr>
-          <p:cNvPr id="9" name="Inhaltsplatzhalter 2">
-            <a:extLst>
-              <a:ext uri="{FF2B5EF4-FFF2-40B4-BE49-F238E27FC236}">
-                <a16:creationId xmlns:a16="http://schemas.microsoft.com/office/drawing/2014/main" id="{24F82074-E117-7C10-F4CE-6C6A9D14D1C8}"/>
-              </a:ext>
-            </a:extLst>
-          </p:cNvPr>
-          <p:cNvSpPr>
-            <a:spLocks noGrp="1"/>
-          </p:cNvSpPr>
-          <p:nvPr>
-            <p:ph idx="13"/>
-          </p:nvPr>
-        </p:nvSpPr>
-        <p:spPr>
-          <a:xfrm>
-            <a:off x="5238427" y="2192339"/>
-            <a:ext cx="6203295" cy="1831022"/>
-          </a:xfrm>
-        </p:spPr>
-        <p:txBody>
-          <a:bodyPr/>
-          <a:lstStyle/>
-          <a:p>
-            <a:pPr lvl="0"/>
-            <a:r>
-              <a:rPr lang="de-DE"/>
-              <a:t>Textmasterformat bearbeiten</a:t>
-            </a:r>
-          </a:p>
-          <a:p>
-            <a:pPr lvl="1"/>
-            <a:r>
-              <a:rPr lang="de-DE"/>
-              <a:t>Zweite Ebene</a:t>
-            </a:r>
-          </a:p>
-          <a:p>
-            <a:pPr lvl="2"/>
-            <a:r>
-              <a:rPr lang="de-DE"/>
-              <a:t>Dritte Ebene</a:t>
-            </a:r>
-          </a:p>
-          <a:p>
-            <a:pPr lvl="3"/>
-            <a:r>
-              <a:rPr lang="de-DE"/>
-              <a:t>Vierte Ebene</a:t>
-            </a:r>
-          </a:p>
-          <a:p>
-            <a:pPr lvl="4"/>
-            <a:r>
-              <a:rPr lang="de-DE"/>
-              <a:t>Fünfte Ebene</a:t>
-            </a:r>
-          </a:p>
-        </p:txBody>
-      </p:sp>
-      <p:sp>
-        <p:nvSpPr>
-          <p:cNvPr id="10" name="Inhaltsplatzhalter 2">
-            <a:extLst>
-              <a:ext uri="{FF2B5EF4-FFF2-40B4-BE49-F238E27FC236}">
-                <a16:creationId xmlns:a16="http://schemas.microsoft.com/office/drawing/2014/main" id="{CE6C0DFE-E3A0-0917-B818-134203E33D45}"/>
-              </a:ext>
-            </a:extLst>
-          </p:cNvPr>
-          <p:cNvSpPr>
-            <a:spLocks noGrp="1"/>
-          </p:cNvSpPr>
-          <p:nvPr>
-            <p:ph idx="14"/>
-          </p:nvPr>
-        </p:nvSpPr>
-        <p:spPr>
-          <a:xfrm>
-            <a:off x="5238427" y="4171408"/>
-            <a:ext cx="6203295" cy="1961650"/>
-          </a:xfrm>
-        </p:spPr>
-        <p:txBody>
-          <a:bodyPr/>
-          <a:lstStyle/>
-          <a:p>
-            <a:pPr lvl="0"/>
-            <a:r>
-              <a:rPr lang="de-DE"/>
-              <a:t>Textmasterformat bearbeiten</a:t>
-            </a:r>
-          </a:p>
-          <a:p>
-            <a:pPr lvl="1"/>
-            <a:r>
-              <a:rPr lang="de-DE"/>
-              <a:t>Zweite Ebene</a:t>
-            </a:r>
-          </a:p>
-          <a:p>
-            <a:pPr lvl="2"/>
-            <a:r>
-              <a:rPr lang="de-DE"/>
-              <a:t>Dritte Ebene</a:t>
-            </a:r>
-          </a:p>
-          <a:p>
-            <a:pPr lvl="3"/>
-            <a:r>
-              <a:rPr lang="de-DE"/>
-              <a:t>Vierte Ebene</a:t>
-            </a:r>
-          </a:p>
-          <a:p>
-            <a:pPr lvl="4"/>
-            <a:r>
-              <a:rPr lang="de-DE"/>
-              <a:t>Fünfte Ebene</a:t>
-            </a:r>
-          </a:p>
-        </p:txBody>
-      </p:sp>
-    </p:spTree>
-    <p:extLst>
-      <p:ext uri="{BB962C8B-B14F-4D97-AF65-F5344CB8AC3E}">
-        <p14:creationId xmlns:p14="http://schemas.microsoft.com/office/powerpoint/2010/main" val="3789908029"/>
-      </p:ext>
-    </p:extLst>
-  </p:cSld>
-  <p:clrMapOvr>
-    <a:masterClrMapping/>
-  </p:clrMapOvr>
-</p:sldLayout>
-</file>
-
-<file path=ppt/slideLayouts/slideLayout4.xml><?xml version="1.0" encoding="utf-8"?>
 <p:sldLayout xmlns:a="http://schemas.openxmlformats.org/drawingml/2006/main" xmlns:r="http://schemas.openxmlformats.org/officeDocument/2006/relationships" xmlns:p="http://schemas.openxmlformats.org/presentationml/2006/main" preserve="1" userDrawn="1">
   <p:cSld name="3_Titel und Inhalt">
     <p:spTree>
@@ -2648,7 +2270,7 @@
             </a:pPr>
             <a:fld id="{F18F5828-F6C3-4D7F-9A69-7D7B0956894E}" type="datetime1">
               <a:rPr lang="de-DE" smtClean="0"/>
-              <a:t>06.11.2022</a:t>
+              <a:t>07.11.2022</a:t>
             </a:fld>
             <a:endParaRPr lang="de-DE" sz="1400"/>
           </a:p>
@@ -3160,6 +2782,384 @@
 </p:sldLayout>
 </file>
 
+<file path=ppt/slideLayouts/slideLayout4.xml><?xml version="1.0" encoding="utf-8"?>
+<p:sldLayout xmlns:a="http://schemas.openxmlformats.org/drawingml/2006/main" xmlns:r="http://schemas.openxmlformats.org/officeDocument/2006/relationships" xmlns:p="http://schemas.openxmlformats.org/presentationml/2006/main" preserve="1" userDrawn="1">
+  <p:cSld name="2_Titel und Inhalt">
+    <p:spTree>
+      <p:nvGrpSpPr>
+        <p:cNvPr id="1" name=""/>
+        <p:cNvGrpSpPr/>
+        <p:nvPr/>
+      </p:nvGrpSpPr>
+      <p:grpSpPr>
+        <a:xfrm>
+          <a:off x="0" y="0"/>
+          <a:ext cx="0" cy="0"/>
+          <a:chOff x="0" y="0"/>
+          <a:chExt cx="0" cy="0"/>
+        </a:xfrm>
+      </p:grpSpPr>
+      <p:sp>
+        <p:nvSpPr>
+          <p:cNvPr id="2" name="Titel 1"/>
+          <p:cNvSpPr>
+            <a:spLocks noGrp="1"/>
+          </p:cNvSpPr>
+          <p:nvPr>
+            <p:ph type="title"/>
+          </p:nvPr>
+        </p:nvSpPr>
+        <p:spPr/>
+        <p:txBody>
+          <a:bodyPr/>
+          <a:lstStyle/>
+          <a:p>
+            <a:r>
+              <a:rPr lang="de-DE"/>
+              <a:t>Titelmasterformat durch Klicken bearbeiten</a:t>
+            </a:r>
+          </a:p>
+        </p:txBody>
+      </p:sp>
+      <p:sp>
+        <p:nvSpPr>
+          <p:cNvPr id="4" name="Rectangle 4">
+            <a:extLst>
+              <a:ext uri="{FF2B5EF4-FFF2-40B4-BE49-F238E27FC236}">
+                <a16:creationId xmlns:a16="http://schemas.microsoft.com/office/drawing/2014/main" id="{A5C98357-6043-FCE2-4324-731C81434CFE}"/>
+              </a:ext>
+            </a:extLst>
+          </p:cNvPr>
+          <p:cNvSpPr>
+            <a:spLocks noGrp="1" noChangeArrowheads="1"/>
+          </p:cNvSpPr>
+          <p:nvPr>
+            <p:ph type="dt" sz="half" idx="10"/>
+          </p:nvPr>
+        </p:nvSpPr>
+        <p:spPr>
+          <a:ln/>
+        </p:spPr>
+        <p:txBody>
+          <a:bodyPr/>
+          <a:lstStyle>
+            <a:lvl1pPr>
+              <a:defRPr/>
+            </a:lvl1pPr>
+          </a:lstStyle>
+          <a:p>
+            <a:pPr>
+              <a:defRPr/>
+            </a:pPr>
+            <a:fld id="{D0B706FE-5D06-4B9B-9DD2-7B70DD32ABC5}" type="datetime1">
+              <a:rPr lang="de-DE" smtClean="0"/>
+              <a:t>07.11.2022</a:t>
+            </a:fld>
+            <a:endParaRPr lang="de-DE" sz="1400"/>
+          </a:p>
+        </p:txBody>
+      </p:sp>
+      <p:sp>
+        <p:nvSpPr>
+          <p:cNvPr id="5" name="Rectangle 6">
+            <a:extLst>
+              <a:ext uri="{FF2B5EF4-FFF2-40B4-BE49-F238E27FC236}">
+                <a16:creationId xmlns:a16="http://schemas.microsoft.com/office/drawing/2014/main" id="{7A668E77-38A9-845E-4C36-E01FA1E1D1CA}"/>
+              </a:ext>
+            </a:extLst>
+          </p:cNvPr>
+          <p:cNvSpPr>
+            <a:spLocks noGrp="1" noChangeArrowheads="1"/>
+          </p:cNvSpPr>
+          <p:nvPr>
+            <p:ph type="sldNum" sz="quarter" idx="11"/>
+          </p:nvPr>
+        </p:nvSpPr>
+        <p:spPr>
+          <a:ln/>
+        </p:spPr>
+        <p:txBody>
+          <a:bodyPr/>
+          <a:lstStyle>
+            <a:lvl1pPr>
+              <a:defRPr/>
+            </a:lvl1pPr>
+          </a:lstStyle>
+          <a:p>
+            <a:r>
+              <a:rPr lang="de-DE" altLang="de-DE"/>
+              <a:t>Seite </a:t>
+            </a:r>
+            <a:fld id="{9790DF0C-26B5-4709-84C7-3DE6E5CDD058}" type="slidenum">
+              <a:rPr lang="de-DE" altLang="de-DE"/>
+              <a:pPr/>
+              <a:t>‹Nr.›</a:t>
+            </a:fld>
+            <a:endParaRPr lang="de-DE" altLang="de-DE"/>
+          </a:p>
+        </p:txBody>
+      </p:sp>
+      <p:sp>
+        <p:nvSpPr>
+          <p:cNvPr id="7" name="Inhaltsplatzhalter 2">
+            <a:extLst>
+              <a:ext uri="{FF2B5EF4-FFF2-40B4-BE49-F238E27FC236}">
+                <a16:creationId xmlns:a16="http://schemas.microsoft.com/office/drawing/2014/main" id="{26FD0F1E-C72C-CE01-F3DA-5006193F05D7}"/>
+              </a:ext>
+            </a:extLst>
+          </p:cNvPr>
+          <p:cNvSpPr>
+            <a:spLocks noGrp="1"/>
+          </p:cNvSpPr>
+          <p:nvPr>
+            <p:ph idx="1"/>
+          </p:nvPr>
+        </p:nvSpPr>
+        <p:spPr>
+          <a:xfrm>
+            <a:off x="937848" y="2192339"/>
+            <a:ext cx="4083604" cy="1831022"/>
+          </a:xfrm>
+        </p:spPr>
+        <p:txBody>
+          <a:bodyPr/>
+          <a:lstStyle/>
+          <a:p>
+            <a:pPr lvl="0"/>
+            <a:r>
+              <a:rPr lang="de-DE"/>
+              <a:t>Textmasterformat bearbeiten</a:t>
+            </a:r>
+          </a:p>
+          <a:p>
+            <a:pPr lvl="1"/>
+            <a:r>
+              <a:rPr lang="de-DE"/>
+              <a:t>Zweite Ebene</a:t>
+            </a:r>
+          </a:p>
+          <a:p>
+            <a:pPr lvl="2"/>
+            <a:r>
+              <a:rPr lang="de-DE"/>
+              <a:t>Dritte Ebene</a:t>
+            </a:r>
+          </a:p>
+          <a:p>
+            <a:pPr lvl="3"/>
+            <a:r>
+              <a:rPr lang="de-DE"/>
+              <a:t>Vierte Ebene</a:t>
+            </a:r>
+          </a:p>
+          <a:p>
+            <a:pPr lvl="4"/>
+            <a:r>
+              <a:rPr lang="de-DE"/>
+              <a:t>Fünfte Ebene</a:t>
+            </a:r>
+          </a:p>
+        </p:txBody>
+      </p:sp>
+      <p:sp>
+        <p:nvSpPr>
+          <p:cNvPr id="8" name="Inhaltsplatzhalter 2">
+            <a:extLst>
+              <a:ext uri="{FF2B5EF4-FFF2-40B4-BE49-F238E27FC236}">
+                <a16:creationId xmlns:a16="http://schemas.microsoft.com/office/drawing/2014/main" id="{A8E6E012-86AD-80D7-33F0-3A0D23D47EBF}"/>
+              </a:ext>
+            </a:extLst>
+          </p:cNvPr>
+          <p:cNvSpPr>
+            <a:spLocks noGrp="1"/>
+          </p:cNvSpPr>
+          <p:nvPr>
+            <p:ph idx="12"/>
+          </p:nvPr>
+        </p:nvSpPr>
+        <p:spPr>
+          <a:xfrm>
+            <a:off x="937848" y="4175761"/>
+            <a:ext cx="4083604" cy="1961651"/>
+          </a:xfrm>
+        </p:spPr>
+        <p:txBody>
+          <a:bodyPr/>
+          <a:lstStyle/>
+          <a:p>
+            <a:pPr lvl="0"/>
+            <a:r>
+              <a:rPr lang="de-DE"/>
+              <a:t>Textmasterformat bearbeiten</a:t>
+            </a:r>
+          </a:p>
+          <a:p>
+            <a:pPr lvl="1"/>
+            <a:r>
+              <a:rPr lang="de-DE"/>
+              <a:t>Zweite Ebene</a:t>
+            </a:r>
+          </a:p>
+          <a:p>
+            <a:pPr lvl="2"/>
+            <a:r>
+              <a:rPr lang="de-DE"/>
+              <a:t>Dritte Ebene</a:t>
+            </a:r>
+          </a:p>
+          <a:p>
+            <a:pPr lvl="3"/>
+            <a:r>
+              <a:rPr lang="de-DE"/>
+              <a:t>Vierte Ebene</a:t>
+            </a:r>
+          </a:p>
+          <a:p>
+            <a:pPr lvl="4"/>
+            <a:r>
+              <a:rPr lang="de-DE"/>
+              <a:t>Fünfte Ebene</a:t>
+            </a:r>
+          </a:p>
+        </p:txBody>
+      </p:sp>
+      <p:sp>
+        <p:nvSpPr>
+          <p:cNvPr id="9" name="Inhaltsplatzhalter 2">
+            <a:extLst>
+              <a:ext uri="{FF2B5EF4-FFF2-40B4-BE49-F238E27FC236}">
+                <a16:creationId xmlns:a16="http://schemas.microsoft.com/office/drawing/2014/main" id="{24F82074-E117-7C10-F4CE-6C6A9D14D1C8}"/>
+              </a:ext>
+            </a:extLst>
+          </p:cNvPr>
+          <p:cNvSpPr>
+            <a:spLocks noGrp="1"/>
+          </p:cNvSpPr>
+          <p:nvPr>
+            <p:ph idx="13"/>
+          </p:nvPr>
+        </p:nvSpPr>
+        <p:spPr>
+          <a:xfrm>
+            <a:off x="5238427" y="2192339"/>
+            <a:ext cx="6203295" cy="1831022"/>
+          </a:xfrm>
+        </p:spPr>
+        <p:txBody>
+          <a:bodyPr/>
+          <a:lstStyle/>
+          <a:p>
+            <a:pPr lvl="0"/>
+            <a:r>
+              <a:rPr lang="de-DE"/>
+              <a:t>Textmasterformat bearbeiten</a:t>
+            </a:r>
+          </a:p>
+          <a:p>
+            <a:pPr lvl="1"/>
+            <a:r>
+              <a:rPr lang="de-DE"/>
+              <a:t>Zweite Ebene</a:t>
+            </a:r>
+          </a:p>
+          <a:p>
+            <a:pPr lvl="2"/>
+            <a:r>
+              <a:rPr lang="de-DE"/>
+              <a:t>Dritte Ebene</a:t>
+            </a:r>
+          </a:p>
+          <a:p>
+            <a:pPr lvl="3"/>
+            <a:r>
+              <a:rPr lang="de-DE"/>
+              <a:t>Vierte Ebene</a:t>
+            </a:r>
+          </a:p>
+          <a:p>
+            <a:pPr lvl="4"/>
+            <a:r>
+              <a:rPr lang="de-DE"/>
+              <a:t>Fünfte Ebene</a:t>
+            </a:r>
+          </a:p>
+        </p:txBody>
+      </p:sp>
+      <p:sp>
+        <p:nvSpPr>
+          <p:cNvPr id="10" name="Inhaltsplatzhalter 2">
+            <a:extLst>
+              <a:ext uri="{FF2B5EF4-FFF2-40B4-BE49-F238E27FC236}">
+                <a16:creationId xmlns:a16="http://schemas.microsoft.com/office/drawing/2014/main" id="{CE6C0DFE-E3A0-0917-B818-134203E33D45}"/>
+              </a:ext>
+            </a:extLst>
+          </p:cNvPr>
+          <p:cNvSpPr>
+            <a:spLocks noGrp="1"/>
+          </p:cNvSpPr>
+          <p:nvPr>
+            <p:ph idx="14"/>
+          </p:nvPr>
+        </p:nvSpPr>
+        <p:spPr>
+          <a:xfrm>
+            <a:off x="5238427" y="4171408"/>
+            <a:ext cx="6203295" cy="1961650"/>
+          </a:xfrm>
+        </p:spPr>
+        <p:txBody>
+          <a:bodyPr/>
+          <a:lstStyle/>
+          <a:p>
+            <a:pPr lvl="0"/>
+            <a:r>
+              <a:rPr lang="de-DE"/>
+              <a:t>Textmasterformat bearbeiten</a:t>
+            </a:r>
+          </a:p>
+          <a:p>
+            <a:pPr lvl="1"/>
+            <a:r>
+              <a:rPr lang="de-DE"/>
+              <a:t>Zweite Ebene</a:t>
+            </a:r>
+          </a:p>
+          <a:p>
+            <a:pPr lvl="2"/>
+            <a:r>
+              <a:rPr lang="de-DE"/>
+              <a:t>Dritte Ebene</a:t>
+            </a:r>
+          </a:p>
+          <a:p>
+            <a:pPr lvl="3"/>
+            <a:r>
+              <a:rPr lang="de-DE"/>
+              <a:t>Vierte Ebene</a:t>
+            </a:r>
+          </a:p>
+          <a:p>
+            <a:pPr lvl="4"/>
+            <a:r>
+              <a:rPr lang="de-DE"/>
+              <a:t>Fünfte Ebene</a:t>
+            </a:r>
+          </a:p>
+        </p:txBody>
+      </p:sp>
+    </p:spTree>
+    <p:extLst>
+      <p:ext uri="{BB962C8B-B14F-4D97-AF65-F5344CB8AC3E}">
+        <p14:creationId xmlns:p14="http://schemas.microsoft.com/office/powerpoint/2010/main" val="3789908029"/>
+      </p:ext>
+    </p:extLst>
+  </p:cSld>
+  <p:clrMapOvr>
+    <a:masterClrMapping/>
+  </p:clrMapOvr>
+</p:sldLayout>
+</file>
+
 <file path=ppt/slideLayouts/slideLayout5.xml><?xml version="1.0" encoding="utf-8"?>
 <p:sldLayout xmlns:a="http://schemas.openxmlformats.org/drawingml/2006/main" xmlns:r="http://schemas.openxmlformats.org/officeDocument/2006/relationships" xmlns:p="http://schemas.openxmlformats.org/presentationml/2006/main" preserve="1" userDrawn="1">
   <p:cSld name="1_Titel und Inhalt">
@@ -3231,7 +3231,7 @@
             </a:pPr>
             <a:fld id="{C382E914-9E47-41B3-AC55-7B70AE3E6DEF}" type="datetime1">
               <a:rPr lang="de-DE" smtClean="0"/>
-              <a:t>06.11.2022</a:t>
+              <a:t>07.11.2022</a:t>
             </a:fld>
             <a:endParaRPr lang="de-DE" sz="1400"/>
           </a:p>
@@ -4312,7 +4312,7 @@
             </a:pPr>
             <a:fld id="{CE7CAF80-18D9-4DB9-8F36-CC126E1BFE1E}" type="datetime1">
               <a:rPr lang="de-DE" smtClean="0"/>
-              <a:t>06.11.2022</a:t>
+              <a:t>07.11.2022</a:t>
             </a:fld>
             <a:endParaRPr lang="de-DE" sz="1400"/>
           </a:p>
@@ -4610,7 +4610,7 @@
             </a:pPr>
             <a:fld id="{12BED001-F296-4B75-8D82-C28D50A71D4F}" type="datetime1">
               <a:rPr lang="de-DE" smtClean="0"/>
-              <a:t>06.11.2022</a:t>
+              <a:t>07.11.2022</a:t>
             </a:fld>
             <a:endParaRPr lang="de-DE" sz="1400"/>
           </a:p>
@@ -5047,7 +5047,7 @@
             </a:pPr>
             <a:fld id="{851C8BFC-6068-467A-B9DB-1CAEF2D6E58F}" type="datetime1">
               <a:rPr lang="de-DE" smtClean="0"/>
-              <a:t>06.11.2022</a:t>
+              <a:t>07.11.2022</a:t>
             </a:fld>
             <a:endParaRPr lang="de-DE" sz="1400"/>
           </a:p>
@@ -5177,7 +5177,7 @@
             </a:pPr>
             <a:fld id="{9375726D-41A8-42E4-970C-6DD2302B756D}" type="datetime1">
               <a:rPr lang="de-DE" smtClean="0"/>
-              <a:t>06.11.2022</a:t>
+              <a:t>07.11.2022</a:t>
             </a:fld>
             <a:endParaRPr lang="de-DE" sz="1400"/>
           </a:p>
@@ -5398,7 +5398,7 @@
             </a:pPr>
             <a:fld id="{4D6FEF3F-685D-4AE5-A27C-000B6935175A}" type="datetime1">
               <a:rPr lang="de-DE" smtClean="0"/>
-              <a:t>06.11.2022</a:t>
+              <a:t>07.11.2022</a:t>
             </a:fld>
             <a:endParaRPr lang="de-DE" sz="1400"/>
           </a:p>
@@ -5927,8 +5927,8 @@
   <p:sldLayoutIdLst>
     <p:sldLayoutId id="2147483662" r:id="rId1"/>
     <p:sldLayoutId id="2147483663" r:id="rId2"/>
-    <p:sldLayoutId id="2147483674" r:id="rId3"/>
-    <p:sldLayoutId id="2147483675" r:id="rId4"/>
+    <p:sldLayoutId id="2147483675" r:id="rId3"/>
+    <p:sldLayoutId id="2147483674" r:id="rId4"/>
     <p:sldLayoutId id="2147483673" r:id="rId5"/>
     <p:sldLayoutId id="2147483664" r:id="rId6"/>
     <p:sldLayoutId id="2147483665" r:id="rId7"/>
@@ -6531,69 +6531,6 @@
           <a:chExt cx="0" cy="0"/>
         </a:xfrm>
       </p:grpSpPr>
-      <p:sp>
-        <p:nvSpPr>
-          <p:cNvPr id="2" name="Titel 1">
-            <a:extLst>
-              <a:ext uri="{FF2B5EF4-FFF2-40B4-BE49-F238E27FC236}">
-                <a16:creationId xmlns:a16="http://schemas.microsoft.com/office/drawing/2014/main" id="{D7DDB127-61A9-663E-43B1-32448D8CC025}"/>
-              </a:ext>
-            </a:extLst>
-          </p:cNvPr>
-          <p:cNvSpPr>
-            <a:spLocks noGrp="1"/>
-          </p:cNvSpPr>
-          <p:nvPr>
-            <p:ph type="title"/>
-          </p:nvPr>
-        </p:nvSpPr>
-        <p:spPr/>
-        <p:txBody>
-          <a:bodyPr/>
-          <a:lstStyle/>
-          <a:p>
-            <a:r>
-              <a:rPr lang="de-DE">
-                <a:cs typeface="Arial"/>
-              </a:rPr>
-              <a:t>Projektstrukturplan</a:t>
-            </a:r>
-            <a:endParaRPr lang="de-DE"/>
-          </a:p>
-        </p:txBody>
-      </p:sp>
-      <p:sp>
-        <p:nvSpPr>
-          <p:cNvPr id="4" name="Datumsplatzhalter 3">
-            <a:extLst>
-              <a:ext uri="{FF2B5EF4-FFF2-40B4-BE49-F238E27FC236}">
-                <a16:creationId xmlns:a16="http://schemas.microsoft.com/office/drawing/2014/main" id="{E5C25DFB-C725-6AC7-C36E-6627940EFE09}"/>
-              </a:ext>
-            </a:extLst>
-          </p:cNvPr>
-          <p:cNvSpPr>
-            <a:spLocks noGrp="1"/>
-          </p:cNvSpPr>
-          <p:nvPr>
-            <p:ph type="dt" sz="half" idx="10"/>
-          </p:nvPr>
-        </p:nvSpPr>
-        <p:spPr/>
-        <p:txBody>
-          <a:bodyPr/>
-          <a:lstStyle/>
-          <a:p>
-            <a:pPr>
-              <a:defRPr/>
-            </a:pPr>
-            <a:fld id="{D60098F7-3707-47A0-BDC2-5327323B4246}" type="datetime1">
-              <a:rPr lang="de-DE" smtClean="0"/>
-              <a:t>06.11.2022</a:t>
-            </a:fld>
-            <a:endParaRPr lang="de-DE" sz="1400"/>
-          </a:p>
-        </p:txBody>
-      </p:sp>
       <p:pic>
         <p:nvPicPr>
           <p:cNvPr id="1028" name="Picture 4">
@@ -6625,8 +6562,8 @@
         </p:blipFill>
         <p:spPr bwMode="auto">
           <a:xfrm>
-            <a:off x="1196681" y="2156896"/>
-            <a:ext cx="9985963" cy="3903662"/>
+            <a:off x="122453" y="1499394"/>
+            <a:ext cx="11947093" cy="4670297"/>
           </a:xfrm>
           <a:prstGeom prst="rect">
             <a:avLst/>
@@ -6643,6 +6580,69 @@
           </a:extLst>
         </p:spPr>
       </p:pic>
+      <p:sp>
+        <p:nvSpPr>
+          <p:cNvPr id="2" name="Titel 1">
+            <a:extLst>
+              <a:ext uri="{FF2B5EF4-FFF2-40B4-BE49-F238E27FC236}">
+                <a16:creationId xmlns:a16="http://schemas.microsoft.com/office/drawing/2014/main" id="{D7DDB127-61A9-663E-43B1-32448D8CC025}"/>
+              </a:ext>
+            </a:extLst>
+          </p:cNvPr>
+          <p:cNvSpPr>
+            <a:spLocks noGrp="1"/>
+          </p:cNvSpPr>
+          <p:nvPr>
+            <p:ph type="title"/>
+          </p:nvPr>
+        </p:nvSpPr>
+        <p:spPr/>
+        <p:txBody>
+          <a:bodyPr/>
+          <a:lstStyle/>
+          <a:p>
+            <a:r>
+              <a:rPr lang="de-DE">
+                <a:cs typeface="Arial"/>
+              </a:rPr>
+              <a:t>Projektstrukturplan</a:t>
+            </a:r>
+            <a:endParaRPr lang="de-DE"/>
+          </a:p>
+        </p:txBody>
+      </p:sp>
+      <p:sp>
+        <p:nvSpPr>
+          <p:cNvPr id="4" name="Datumsplatzhalter 3">
+            <a:extLst>
+              <a:ext uri="{FF2B5EF4-FFF2-40B4-BE49-F238E27FC236}">
+                <a16:creationId xmlns:a16="http://schemas.microsoft.com/office/drawing/2014/main" id="{E5C25DFB-C725-6AC7-C36E-6627940EFE09}"/>
+              </a:ext>
+            </a:extLst>
+          </p:cNvPr>
+          <p:cNvSpPr>
+            <a:spLocks noGrp="1"/>
+          </p:cNvSpPr>
+          <p:nvPr>
+            <p:ph type="dt" sz="half" idx="10"/>
+          </p:nvPr>
+        </p:nvSpPr>
+        <p:spPr/>
+        <p:txBody>
+          <a:bodyPr/>
+          <a:lstStyle/>
+          <a:p>
+            <a:pPr>
+              <a:defRPr/>
+            </a:pPr>
+            <a:fld id="{D60098F7-3707-47A0-BDC2-5327323B4246}" type="datetime1">
+              <a:rPr lang="de-DE" smtClean="0"/>
+              <a:t>07.11.2022</a:t>
+            </a:fld>
+            <a:endParaRPr lang="de-DE" sz="1400"/>
+          </a:p>
+        </p:txBody>
+      </p:sp>
       <p:sp>
         <p:nvSpPr>
           <p:cNvPr id="3" name="Foliennummernplatzhalter 2">
@@ -6835,7 +6835,7 @@
             </a:pPr>
             <a:fld id="{2B26AFDC-ED01-4501-A944-A5CBB12805E3}" type="datetime1">
               <a:rPr lang="de-DE" smtClean="0"/>
-              <a:t>06.11.2022</a:t>
+              <a:t>07.11.2022</a:t>
             </a:fld>
             <a:endParaRPr lang="de-DE" sz="1400"/>
           </a:p>
@@ -6928,7 +6928,7 @@
               <a:buChar char="•"/>
             </a:pPr>
             <a:r>
-              <a:rPr lang="de-DE" dirty="0">
+              <a:rPr lang="de-DE">
                 <a:solidFill>
                   <a:schemeClr val="bg2"/>
                 </a:solidFill>
@@ -6950,7 +6950,7 @@
               <a:buChar char="o"/>
             </a:pPr>
             <a:r>
-              <a:rPr lang="de-DE" dirty="0">
+              <a:rPr lang="de-DE">
                 <a:solidFill>
                   <a:schemeClr val="bg2"/>
                 </a:solidFill>
@@ -6959,7 +6959,7 @@
               </a:rPr>
               <a:t> „Weekly“</a:t>
             </a:r>
-            <a:endParaRPr lang="de-DE" dirty="0">
+            <a:endParaRPr lang="de-DE">
               <a:solidFill>
                 <a:schemeClr val="bg2"/>
               </a:solidFill>
@@ -6972,7 +6972,7 @@
               <a:buChar char="•"/>
             </a:pPr>
             <a:r>
-              <a:rPr lang="de-DE" dirty="0">
+              <a:rPr lang="de-DE">
                 <a:solidFill>
                   <a:schemeClr val="bg2"/>
                 </a:solidFill>
@@ -7009,18 +7009,52 @@
             </a:pPr>
             <a:fld id="{6955D65F-8111-481F-BB82-82189A3FB29E}" type="datetime1">
               <a:rPr lang="de-DE" smtClean="0"/>
-              <a:t>06.11.2022</a:t>
+              <a:t>07.11.2022</a:t>
             </a:fld>
             <a:endParaRPr lang="de-DE" sz="1400"/>
+          </a:p>
+        </p:txBody>
+      </p:sp>
+      <p:sp>
+        <p:nvSpPr>
+          <p:cNvPr id="4" name="Foliennummernplatzhalter 3">
+            <a:extLst>
+              <a:ext uri="{FF2B5EF4-FFF2-40B4-BE49-F238E27FC236}">
+                <a16:creationId xmlns:a16="http://schemas.microsoft.com/office/drawing/2014/main" id="{C60CB9F1-7907-0B88-156A-E32945306660}"/>
+              </a:ext>
+            </a:extLst>
+          </p:cNvPr>
+          <p:cNvSpPr>
+            <a:spLocks noGrp="1"/>
+          </p:cNvSpPr>
+          <p:nvPr>
+            <p:ph type="sldNum" sz="quarter" idx="11"/>
+          </p:nvPr>
+        </p:nvSpPr>
+        <p:spPr/>
+        <p:txBody>
+          <a:bodyPr/>
+          <a:lstStyle/>
+          <a:p>
+            <a:r>
+              <a:rPr lang="de-DE" altLang="de-DE"/>
+              <a:t>Seite </a:t>
+            </a:r>
+            <a:fld id="{9790DF0C-26B5-4709-84C7-3DE6E5CDD058}" type="slidenum">
+              <a:rPr lang="de-DE" altLang="de-DE"/>
+              <a:pPr/>
+              <a:t>12</a:t>
+            </a:fld>
+            <a:endParaRPr lang="de-DE"/>
           </a:p>
         </p:txBody>
       </p:sp>
       <p:pic>
         <p:nvPicPr>
-          <p:cNvPr id="10" name="Grafik 9" descr="Ein Bild, das Text enthält.&#10;&#10;Automatisch generierte Beschreibung">
-            <a:extLst>
-              <a:ext uri="{FF2B5EF4-FFF2-40B4-BE49-F238E27FC236}">
-                <a16:creationId xmlns:a16="http://schemas.microsoft.com/office/drawing/2014/main" id="{5644BAE9-95DE-E527-4E5A-979E8615459E}"/>
+          <p:cNvPr id="8" name="Grafik 7">
+            <a:extLst>
+              <a:ext uri="{FF2B5EF4-FFF2-40B4-BE49-F238E27FC236}">
+                <a16:creationId xmlns:a16="http://schemas.microsoft.com/office/drawing/2014/main" id="{B4D1A5C4-1230-530A-039E-2D51D65BA94B}"/>
               </a:ext>
             </a:extLst>
           </p:cNvPr>
@@ -7030,61 +7064,21 @@
           <p:nvPr/>
         </p:nvPicPr>
         <p:blipFill>
-          <a:blip r:embed="rId2">
-            <a:extLst>
-              <a:ext uri="{28A0092B-C50C-407E-A947-70E740481C1C}">
-                <a14:useLocalDpi xmlns:a14="http://schemas.microsoft.com/office/drawing/2010/main" val="0"/>
-              </a:ext>
-            </a:extLst>
-          </a:blip>
+          <a:blip r:embed="rId2"/>
           <a:stretch>
             <a:fillRect/>
           </a:stretch>
         </p:blipFill>
         <p:spPr>
           <a:xfrm>
-            <a:off x="6862634" y="1080294"/>
-            <a:ext cx="2426677" cy="4975485"/>
+            <a:off x="5673011" y="742713"/>
+            <a:ext cx="3665655" cy="5504337"/>
           </a:xfrm>
           <a:prstGeom prst="rect">
             <a:avLst/>
           </a:prstGeom>
         </p:spPr>
       </p:pic>
-      <p:sp>
-        <p:nvSpPr>
-          <p:cNvPr id="4" name="Foliennummernplatzhalter 3">
-            <a:extLst>
-              <a:ext uri="{FF2B5EF4-FFF2-40B4-BE49-F238E27FC236}">
-                <a16:creationId xmlns:a16="http://schemas.microsoft.com/office/drawing/2014/main" id="{C60CB9F1-7907-0B88-156A-E32945306660}"/>
-              </a:ext>
-            </a:extLst>
-          </p:cNvPr>
-          <p:cNvSpPr>
-            <a:spLocks noGrp="1"/>
-          </p:cNvSpPr>
-          <p:nvPr>
-            <p:ph type="sldNum" sz="quarter" idx="11"/>
-          </p:nvPr>
-        </p:nvSpPr>
-        <p:spPr/>
-        <p:txBody>
-          <a:bodyPr/>
-          <a:lstStyle/>
-          <a:p>
-            <a:r>
-              <a:rPr lang="de-DE" altLang="de-DE"/>
-              <a:t>Seite </a:t>
-            </a:r>
-            <a:fld id="{9790DF0C-26B5-4709-84C7-3DE6E5CDD058}" type="slidenum">
-              <a:rPr lang="de-DE" altLang="de-DE"/>
-              <a:pPr/>
-              <a:t>12</a:t>
-            </a:fld>
-            <a:endParaRPr lang="de-DE"/>
-          </a:p>
-        </p:txBody>
-      </p:sp>
     </p:spTree>
     <p:extLst>
       <p:ext uri="{BB962C8B-B14F-4D97-AF65-F5344CB8AC3E}">
@@ -7137,12 +7131,12 @@
           <a:lstStyle/>
           <a:p>
             <a:r>
-              <a:rPr lang="de-DE" dirty="0">
+              <a:rPr lang="de-DE">
                 <a:cs typeface="Arial"/>
               </a:rPr>
               <a:t>Standardisierung </a:t>
             </a:r>
-            <a:endParaRPr lang="de-DE" dirty="0"/>
+            <a:endParaRPr lang="de-DE"/>
           </a:p>
         </p:txBody>
       </p:sp>
@@ -7172,7 +7166,7 @@
               <a:buChar char="•"/>
             </a:pPr>
             <a:r>
-              <a:rPr lang="de-DE" sz="1800" dirty="0">
+              <a:rPr lang="de-DE" sz="1800">
                 <a:cs typeface="Arial"/>
               </a:rPr>
               <a:t>Zeiterfassung Template </a:t>
@@ -7184,7 +7178,7 @@
               <a:buChar char="o"/>
             </a:pPr>
             <a:r>
-              <a:rPr lang="de-DE" sz="1800" dirty="0">
+              <a:rPr lang="de-DE" sz="1800">
                 <a:solidFill>
                   <a:srgbClr val="5C6971"/>
                 </a:solidFill>
@@ -7192,7 +7186,7 @@
               </a:rPr>
               <a:t>Genutzt für Zeiterfassungsanalyse</a:t>
             </a:r>
-            <a:endParaRPr lang="de-DE" sz="1800" dirty="0">
+            <a:endParaRPr lang="de-DE" sz="1800">
               <a:cs typeface="Arial"/>
             </a:endParaRPr>
           </a:p>
@@ -7253,7 +7247,7 @@
             </a:pPr>
             <a:fld id="{6AB5EB75-85E5-4097-A0F1-B72837B0F153}" type="datetime1">
               <a:rPr lang="de-DE" smtClean="0"/>
-              <a:t>06.11.2022</a:t>
+              <a:t>07.11.2022</a:t>
             </a:fld>
             <a:endParaRPr lang="de-DE" sz="1400"/>
           </a:p>
@@ -7409,7 +7403,7 @@
             </a:pPr>
             <a:fld id="{42669362-5B07-4019-A66B-9D5D8A27F6EE}" type="datetime1">
               <a:rPr lang="de-DE" smtClean="0"/>
-              <a:t>06.11.2022</a:t>
+              <a:t>07.11.2022</a:t>
             </a:fld>
             <a:endParaRPr lang="de-DE" sz="1400"/>
           </a:p>
@@ -7536,7 +7530,7 @@
             </a:pPr>
             <a:fld id="{A03007F2-6716-4226-85F9-88B8B6CDCBE1}" type="datetime1">
               <a:rPr lang="de-DE" smtClean="0"/>
-              <a:t>06.11.2022</a:t>
+              <a:t>07.11.2022</a:t>
             </a:fld>
             <a:endParaRPr lang="de-DE" sz="1400"/>
           </a:p>
@@ -7808,7 +7802,7 @@
             </a:pPr>
             <a:fld id="{0063D88D-3EC2-4C64-90C7-2E183E5E59AB}" type="datetime1">
               <a:rPr lang="de-DE" smtClean="0"/>
-              <a:t>06.11.2022</a:t>
+              <a:t>07.11.2022</a:t>
             </a:fld>
             <a:endParaRPr lang="de-DE" sz="1400"/>
           </a:p>
@@ -7900,12 +7894,12 @@
           <a:lstStyle/>
           <a:p>
             <a:r>
-              <a:rPr lang="de-DE" dirty="0">
+              <a:rPr lang="de-DE">
                 <a:cs typeface="Arial"/>
               </a:rPr>
               <a:t>Business Case</a:t>
             </a:r>
-            <a:endParaRPr lang="de-DE" dirty="0"/>
+            <a:endParaRPr lang="de-DE"/>
           </a:p>
         </p:txBody>
       </p:sp>
@@ -7935,7 +7929,7 @@
               <a:buChar char="•"/>
             </a:pPr>
             <a:r>
-              <a:rPr lang="de-DE" sz="1800" dirty="0">
+              <a:rPr lang="de-DE" sz="1800">
                 <a:cs typeface="Arial"/>
               </a:rPr>
               <a:t>Fixkosten: </a:t>
@@ -7947,7 +7941,7 @@
               <a:buChar char="o"/>
             </a:pPr>
             <a:r>
-              <a:rPr lang="de-DE" sz="1800" dirty="0" err="1">
+              <a:rPr lang="de-DE" sz="1800" err="1">
                 <a:solidFill>
                   <a:srgbClr val="5C6971"/>
                 </a:solidFill>
@@ -7957,7 +7951,7 @@
               <a:t>JetBrains</a:t>
             </a:r>
             <a:r>
-              <a:rPr lang="de-DE" sz="1800" dirty="0">
+              <a:rPr lang="de-DE" sz="1800">
                 <a:solidFill>
                   <a:srgbClr val="5C6971"/>
                 </a:solidFill>
@@ -7967,7 +7961,7 @@
               <a:t> </a:t>
             </a:r>
             <a:r>
-              <a:rPr lang="de-DE" sz="1800" dirty="0" err="1">
+              <a:rPr lang="de-DE" sz="1800" err="1">
                 <a:solidFill>
                   <a:srgbClr val="5C6971"/>
                 </a:solidFill>
@@ -7977,7 +7971,7 @@
               <a:t>Webstorm</a:t>
             </a:r>
             <a:r>
-              <a:rPr lang="de-DE" sz="1800" dirty="0">
+              <a:rPr lang="de-DE" sz="1800">
                 <a:solidFill>
                   <a:srgbClr val="5C6971"/>
                 </a:solidFill>
@@ -7986,7 +7980,7 @@
               </a:rPr>
               <a:t> Lizenzen</a:t>
             </a:r>
-            <a:endParaRPr lang="de-DE" sz="1800" dirty="0">
+            <a:endParaRPr lang="de-DE" sz="1800">
               <a:ea typeface="+mn-lt"/>
               <a:cs typeface="+mn-lt"/>
             </a:endParaRPr>
@@ -7997,7 +7991,7 @@
               <a:buChar char="o"/>
             </a:pPr>
             <a:r>
-              <a:rPr lang="de-DE" sz="1800" dirty="0">
+              <a:rPr lang="de-DE" sz="1800">
                 <a:solidFill>
                   <a:srgbClr val="5C6971"/>
                 </a:solidFill>
@@ -8006,7 +8000,7 @@
               </a:rPr>
               <a:t>Energie &amp; Internet</a:t>
             </a:r>
-            <a:endParaRPr lang="de-DE" sz="1800" dirty="0">
+            <a:endParaRPr lang="de-DE" sz="1800">
               <a:cs typeface="Arial"/>
             </a:endParaRPr>
           </a:p>
@@ -8016,7 +8010,7 @@
               <a:buChar char="•"/>
             </a:pPr>
             <a:r>
-              <a:rPr lang="de-DE" sz="1800" dirty="0">
+              <a:rPr lang="de-DE" sz="1800">
                 <a:cs typeface="Arial"/>
               </a:rPr>
               <a:t>Variable Kosten:</a:t>
@@ -8028,7 +8022,7 @@
               <a:buChar char="o"/>
             </a:pPr>
             <a:r>
-              <a:rPr lang="de-DE" sz="1800" dirty="0">
+              <a:rPr lang="de-DE" sz="1800">
                 <a:solidFill>
                   <a:srgbClr val="5C6971"/>
                 </a:solidFill>
@@ -8036,7 +8030,7 @@
               </a:rPr>
               <a:t>Ca. 150 Stunden Freelancer-Kosten</a:t>
             </a:r>
-            <a:endParaRPr lang="de-DE" sz="1800" dirty="0">
+            <a:endParaRPr lang="de-DE" sz="1800">
               <a:cs typeface="Arial"/>
             </a:endParaRPr>
           </a:p>
@@ -8103,7 +8097,7 @@
             </a:pPr>
             <a:fld id="{67B2C621-EB83-467E-9D28-3A7B2746B88A}" type="datetime1">
               <a:rPr lang="de-DE" smtClean="0"/>
-              <a:t>06.11.2022</a:t>
+              <a:t>07.11.2022</a:t>
             </a:fld>
             <a:endParaRPr lang="de-DE" sz="1400"/>
           </a:p>
@@ -8230,13 +8224,13 @@
           <a:lstStyle/>
           <a:p>
             <a:r>
-              <a:rPr lang="en-US" dirty="0">
+              <a:rPr lang="en-US">
                 <a:cs typeface="Arial"/>
               </a:rPr>
               <a:t>System </a:t>
             </a:r>
             <a:r>
-              <a:rPr lang="en-US" dirty="0" err="1">
+              <a:rPr lang="en-US" err="1">
                 <a:cs typeface="Arial"/>
               </a:rPr>
               <a:t>Architektur</a:t>
@@ -8310,7 +8304,7 @@
             </a:pPr>
             <a:fld id="{4C2FB32D-6705-427F-A20E-15A7EEC88A7F}" type="datetime1">
               <a:rPr lang="de-DE" smtClean="0"/>
-              <a:t>06.11.2022</a:t>
+              <a:t>07.11.2022</a:t>
             </a:fld>
             <a:endParaRPr lang="de-DE"/>
           </a:p>
@@ -8402,15 +8396,15 @@
           <a:lstStyle/>
           <a:p>
             <a:r>
-              <a:rPr lang="de-DE" noProof="0" dirty="0"/>
+              <a:rPr lang="de-DE" noProof="0"/>
               <a:t>System Architektur </a:t>
             </a:r>
             <a:r>
-              <a:rPr lang="de-DE" dirty="0"/>
+              <a:rPr lang="de-DE"/>
               <a:t>- </a:t>
             </a:r>
             <a:r>
-              <a:rPr lang="de-DE" noProof="0" dirty="0"/>
+              <a:rPr lang="de-DE" noProof="0"/>
               <a:t>Grundkonzepte</a:t>
             </a:r>
           </a:p>
@@ -8521,7 +8515,7 @@
             </a:pPr>
             <a:fld id="{2D2E0C36-4E5E-46AA-8F13-9BE6302D3A19}" type="datetime1">
               <a:rPr lang="de-DE" smtClean="0"/>
-              <a:t>06.11.2022</a:t>
+              <a:t>07.11.2022</a:t>
             </a:fld>
             <a:endParaRPr lang="de-DE" sz="1400"/>
           </a:p>
@@ -8703,7 +8697,7 @@
             </a:pPr>
             <a:fld id="{7B2A1BA0-E333-45BC-9B20-CD2A49C3401C}" type="datetime1">
               <a:rPr lang="de-DE" smtClean="0"/>
-              <a:t>06.11.2022</a:t>
+              <a:t>07.11.2022</a:t>
             </a:fld>
             <a:endParaRPr lang="de-DE" sz="1400"/>
           </a:p>
@@ -8873,7 +8867,7 @@
             </a:pPr>
             <a:fld id="{C7A3D7FD-8DC6-4268-9D43-C9148513DFE6}" type="datetime1">
               <a:rPr lang="de-DE" smtClean="0"/>
-              <a:t>06.11.2022</a:t>
+              <a:t>07.11.2022</a:t>
             </a:fld>
             <a:endParaRPr lang="de-DE" sz="1400"/>
           </a:p>
@@ -9114,7 +9108,7 @@
           <a:lstStyle/>
           <a:p>
             <a:r>
-              <a:rPr lang="de-DE" b="1" noProof="0" dirty="0"/>
+              <a:rPr lang="de-DE" b="1" noProof="0"/>
               <a:t>MOD01 Web Interface</a:t>
             </a:r>
           </a:p>
@@ -9142,7 +9136,7 @@
           <a:lstStyle/>
           <a:p>
             <a:r>
-              <a:rPr lang="de-DE" b="1" noProof="0" dirty="0"/>
+              <a:rPr lang="de-DE" b="1" noProof="0"/>
               <a:t>MOD02 Data Acquisition</a:t>
             </a:r>
           </a:p>
@@ -9275,15 +9269,15 @@
           <a:lstStyle/>
           <a:p>
             <a:r>
-              <a:rPr lang="de-DE" b="1" noProof="0" dirty="0"/>
+              <a:rPr lang="de-DE" b="1" noProof="0"/>
               <a:t>MOD03 </a:t>
             </a:r>
             <a:r>
-              <a:rPr lang="de-DE" b="1" noProof="0" dirty="0" err="1"/>
+              <a:rPr lang="de-DE" b="1" noProof="0" err="1"/>
               <a:t>Nameplate</a:t>
             </a:r>
             <a:r>
-              <a:rPr lang="de-DE" b="1" noProof="0" dirty="0"/>
+              <a:rPr lang="de-DE" b="1" noProof="0"/>
               <a:t> Generation</a:t>
             </a:r>
           </a:p>
@@ -9408,7 +9402,7 @@
             </a:pPr>
             <a:fld id="{E757E69B-7831-4BC8-B27B-9A9C9E7FD771}" type="datetime1">
               <a:rPr lang="de-DE" smtClean="0"/>
-              <a:t>06.11.2022</a:t>
+              <a:t>07.11.2022</a:t>
             </a:fld>
             <a:endParaRPr lang="de-DE" sz="1400"/>
           </a:p>
@@ -9567,7 +9561,7 @@
             </a:pPr>
             <a:fld id="{6B94BD1E-FED0-444F-B158-12434D3FB655}" type="datetime1">
               <a:rPr lang="de-DE" smtClean="0"/>
-              <a:t>06.11.2022</a:t>
+              <a:t>07.11.2022</a:t>
             </a:fld>
             <a:endParaRPr lang="de-DE" sz="1400"/>
           </a:p>
@@ -9721,7 +9715,7 @@
                     <a:lstStyle/>
                     <a:p>
                       <a:r>
-                        <a:rPr lang="de-DE" dirty="0"/>
+                        <a:rPr lang="de-DE"/>
                         <a:t>Übersicht</a:t>
                       </a:r>
                     </a:p>
@@ -9779,7 +9773,7 @@
                     <a:lstStyle/>
                     <a:p>
                       <a:r>
-                        <a:rPr lang="de-DE" dirty="0"/>
+                        <a:rPr lang="de-DE"/>
                         <a:t>Das User Interface soll auf Geräten mit verschiedenen Bildschirmgrößen und Browsern funktionieren</a:t>
                       </a:r>
                     </a:p>
@@ -9844,7 +9838,7 @@
                     <a:lstStyle/>
                     <a:p>
                       <a:r>
-                        <a:rPr lang="de-DE" dirty="0"/>
+                        <a:rPr lang="de-DE"/>
                         <a:t>Kriterien</a:t>
                       </a:r>
                     </a:p>
@@ -9902,7 +9896,7 @@
                     <a:lstStyle/>
                     <a:p>
                       <a:r>
-                        <a:rPr lang="de-DE" dirty="0"/>
+                        <a:rPr lang="de-DE"/>
                         <a:t>Tests auf verschiedenen Browsern und Geräten</a:t>
                       </a:r>
                     </a:p>
@@ -9967,7 +9961,7 @@
                     <a:lstStyle/>
                     <a:p>
                       <a:r>
-                        <a:rPr lang="de-DE" dirty="0"/>
+                        <a:rPr lang="de-DE"/>
                         <a:t>Priorität</a:t>
                       </a:r>
                     </a:p>
@@ -10025,7 +10019,7 @@
                     <a:lstStyle/>
                     <a:p>
                       <a:r>
-                        <a:rPr lang="de-DE" dirty="0"/>
+                        <a:rPr lang="de-DE"/>
                         <a:t>2</a:t>
                       </a:r>
                     </a:p>
@@ -10141,7 +10135,7 @@
                     <a:lstStyle/>
                     <a:p>
                       <a:r>
-                        <a:rPr lang="de-DE" dirty="0"/>
+                        <a:rPr lang="de-DE"/>
                         <a:t>Übersicht</a:t>
                       </a:r>
                     </a:p>
@@ -10216,7 +10210,7 @@
                         <a:defRPr/>
                       </a:pPr>
                       <a:r>
-                        <a:rPr lang="de-DE" kern="150" dirty="0">
+                        <a:rPr lang="de-DE" kern="150">
                           <a:effectLst/>
                           <a:latin typeface="Arial"/>
                           <a:ea typeface="Times New Roman" panose="02020603050405020304" pitchFamily="18" charset="0"/>
@@ -10286,7 +10280,7 @@
                     <a:lstStyle/>
                     <a:p>
                       <a:r>
-                        <a:rPr lang="de-DE" dirty="0"/>
+                        <a:rPr lang="de-DE"/>
                         <a:t>Kriterien</a:t>
                       </a:r>
                     </a:p>
@@ -10344,7 +10338,7 @@
                     <a:lstStyle/>
                     <a:p>
                       <a:r>
-                        <a:rPr lang="de-DE" dirty="0"/>
+                        <a:rPr lang="de-DE"/>
                         <a:t>Der Benutzer kann auf einen Knopf drücken und ein dunkleres oder helleres Farbschema wird angewandt</a:t>
                       </a:r>
                     </a:p>
@@ -10409,7 +10403,7 @@
                     <a:lstStyle/>
                     <a:p>
                       <a:r>
-                        <a:rPr lang="de-DE" dirty="0"/>
+                        <a:rPr lang="de-DE"/>
                         <a:t>Priorität</a:t>
                       </a:r>
                     </a:p>
@@ -10467,7 +10461,7 @@
                     <a:lstStyle/>
                     <a:p>
                       <a:r>
-                        <a:rPr lang="de-DE" dirty="0"/>
+                        <a:rPr lang="de-DE"/>
                         <a:t>0</a:t>
                       </a:r>
                     </a:p>
@@ -10647,7 +10641,7 @@
             </a:pPr>
             <a:fld id="{2F79ED62-C4CB-4D49-9C63-54E02EB9CD11}" type="datetime1">
               <a:rPr lang="de-DE" smtClean="0"/>
-              <a:t>06.11.2022</a:t>
+              <a:t>07.11.2022</a:t>
             </a:fld>
             <a:endParaRPr lang="de-DE" sz="1400"/>
           </a:p>
@@ -10675,7 +10669,7 @@
           <a:lstStyle/>
           <a:p>
             <a:r>
-              <a:rPr lang="de-DE" sz="1800" b="1" kern="150" dirty="0">
+              <a:rPr lang="de-DE" sz="1800" b="1" kern="150">
                 <a:effectLst/>
                 <a:latin typeface="Arial"/>
                 <a:ea typeface="Times New Roman" panose="02020603050405020304" pitchFamily="18" charset="0"/>
@@ -10684,7 +10678,7 @@
               <a:t>REQ3</a:t>
             </a:r>
             <a:r>
-              <a:rPr lang="de-DE" b="1" kern="150" dirty="0">
+              <a:rPr lang="de-DE" b="1" kern="150">
                 <a:latin typeface="Arial"/>
                 <a:ea typeface="Times New Roman" panose="02020603050405020304" pitchFamily="18" charset="0"/>
                 <a:cs typeface="Arial"/>
@@ -10700,7 +10694,7 @@
           </a:p>
           <a:p>
             <a:r>
-              <a:rPr lang="de-DE" sz="1800" b="1" kern="150" dirty="0">
+              <a:rPr lang="de-DE" sz="1800" b="1" kern="150">
                 <a:effectLst/>
                 <a:latin typeface="Arial"/>
                 <a:ea typeface="Times New Roman" panose="02020603050405020304" pitchFamily="18" charset="0"/>
@@ -10709,7 +10703,7 @@
               <a:t>Download </a:t>
             </a:r>
             <a:r>
-              <a:rPr lang="de-DE" sz="1800" b="1" kern="150" dirty="0" err="1">
+              <a:rPr lang="de-DE" sz="1800" b="1" kern="150" err="1">
                 <a:effectLst/>
                 <a:latin typeface="Arial"/>
                 <a:ea typeface="Times New Roman" panose="02020603050405020304" pitchFamily="18" charset="0"/>
@@ -10718,7 +10712,7 @@
               <a:t>menu</a:t>
             </a:r>
             <a:r>
-              <a:rPr lang="de-DE" sz="1800" b="1" kern="150" dirty="0">
+              <a:rPr lang="de-DE" sz="1800" b="1" kern="150">
                 <a:effectLst/>
                 <a:latin typeface="Arial"/>
                 <a:ea typeface="Times New Roman" panose="02020603050405020304" pitchFamily="18" charset="0"/>
@@ -10727,7 +10721,7 @@
               <a:t> </a:t>
             </a:r>
             <a:r>
-              <a:rPr lang="de-DE" sz="1800" b="1" kern="150" dirty="0" err="1">
+              <a:rPr lang="de-DE" sz="1800" b="1" kern="150" err="1">
                 <a:effectLst/>
                 <a:latin typeface="Arial"/>
                 <a:ea typeface="Times New Roman" panose="02020603050405020304" pitchFamily="18" charset="0"/>
@@ -10736,7 +10730,7 @@
               <a:t>for</a:t>
             </a:r>
             <a:r>
-              <a:rPr lang="de-DE" sz="1800" b="1" kern="150" dirty="0">
+              <a:rPr lang="de-DE" sz="1800" b="1" kern="150">
                 <a:effectLst/>
                 <a:latin typeface="Arial"/>
                 <a:ea typeface="Times New Roman" panose="02020603050405020304" pitchFamily="18" charset="0"/>
@@ -10745,7 +10739,7 @@
               <a:t> SVG and </a:t>
             </a:r>
             <a:r>
-              <a:rPr lang="de-DE" b="1" kern="150" dirty="0">
+              <a:rPr lang="de-DE" b="1" kern="150">
                 <a:latin typeface="Arial"/>
                 <a:ea typeface="Times New Roman" panose="02020603050405020304" pitchFamily="18" charset="0"/>
                 <a:cs typeface="Arial"/>
@@ -10755,14 +10749,14 @@
           </a:p>
           <a:p>
             <a:r>
-              <a:rPr lang="de-DE" b="1" kern="150" dirty="0" err="1">
+              <a:rPr lang="de-DE" b="1" kern="150" err="1">
                 <a:latin typeface="Arial"/>
                 <a:ea typeface="Times New Roman" panose="02020603050405020304" pitchFamily="18" charset="0"/>
                 <a:cs typeface="Arial"/>
               </a:rPr>
               <a:t>format</a:t>
             </a:r>
-            <a:endParaRPr lang="de-DE" sz="1800" b="1" kern="150" dirty="0" err="1">
+            <a:endParaRPr lang="de-DE" sz="1800" b="1" kern="150" err="1">
               <a:effectLst/>
               <a:latin typeface="Arial" panose="020B0604020202020204" pitchFamily="34" charset="0"/>
               <a:ea typeface="Times New Roman" panose="02020603050405020304" pitchFamily="18" charset="0"/>
@@ -10875,7 +10869,7 @@
                     <a:lstStyle/>
                     <a:p>
                       <a:r>
-                        <a:rPr lang="de-DE" dirty="0"/>
+                        <a:rPr lang="de-DE"/>
                         <a:t>Übersicht</a:t>
                       </a:r>
                     </a:p>
@@ -10933,11 +10927,11 @@
                     <a:lstStyle/>
                     <a:p>
                       <a:r>
-                        <a:rPr lang="de-DE" dirty="0" err="1"/>
+                        <a:rPr lang="de-DE" err="1"/>
                         <a:t>Nameplates</a:t>
                       </a:r>
                       <a:r>
-                        <a:rPr lang="de-DE" dirty="0"/>
+                        <a:rPr lang="de-DE"/>
                         <a:t> können heruntergeladen werden</a:t>
                       </a:r>
                     </a:p>
@@ -11002,7 +10996,7 @@
                     <a:lstStyle/>
                     <a:p>
                       <a:r>
-                        <a:rPr lang="de-DE" dirty="0"/>
+                        <a:rPr lang="de-DE"/>
                         <a:t>Kriterien</a:t>
                       </a:r>
                     </a:p>
@@ -11060,15 +11054,15 @@
                     <a:lstStyle/>
                     <a:p>
                       <a:r>
-                        <a:rPr lang="de-DE" dirty="0"/>
+                        <a:rPr lang="de-DE"/>
                         <a:t>Der Benutzer kann eine SVG- oder PNG-Version der aktuell betrachteten </a:t>
                       </a:r>
                       <a:r>
-                        <a:rPr lang="de-DE" dirty="0" err="1"/>
+                        <a:rPr lang="de-DE" err="1"/>
                         <a:t>Nameplate</a:t>
                       </a:r>
                       <a:r>
-                        <a:rPr lang="de-DE" dirty="0"/>
+                        <a:rPr lang="de-DE"/>
                         <a:t> herunterladen</a:t>
                       </a:r>
                     </a:p>
@@ -11133,7 +11127,7 @@
                     <a:lstStyle/>
                     <a:p>
                       <a:r>
-                        <a:rPr lang="de-DE" dirty="0"/>
+                        <a:rPr lang="de-DE"/>
                         <a:t>Priorität</a:t>
                       </a:r>
                     </a:p>
@@ -11191,7 +11185,7 @@
                     <a:lstStyle/>
                     <a:p>
                       <a:r>
-                        <a:rPr lang="de-DE" dirty="0"/>
+                        <a:rPr lang="de-DE"/>
                         <a:t>4</a:t>
                       </a:r>
                     </a:p>
@@ -11307,7 +11301,7 @@
                     <a:lstStyle/>
                     <a:p>
                       <a:r>
-                        <a:rPr lang="de-DE" dirty="0"/>
+                        <a:rPr lang="de-DE"/>
                         <a:t>Übersicht</a:t>
                       </a:r>
                     </a:p>
@@ -11365,7 +11359,7 @@
                     <a:lstStyle/>
                     <a:p>
                       <a:r>
-                        <a:rPr lang="de-DE" dirty="0"/>
+                        <a:rPr lang="de-DE"/>
                         <a:t>In der Asset Liste können Assets nach Namen gefiltert werden</a:t>
                       </a:r>
                     </a:p>
@@ -11430,7 +11424,7 @@
                     <a:lstStyle/>
                     <a:p>
                       <a:r>
-                        <a:rPr lang="de-DE" dirty="0"/>
+                        <a:rPr lang="de-DE"/>
                         <a:t>Kriterien</a:t>
                       </a:r>
                     </a:p>
@@ -11488,7 +11482,7 @@
                     <a:lstStyle/>
                     <a:p>
                       <a:r>
-                        <a:rPr lang="de-DE" dirty="0"/>
+                        <a:rPr lang="de-DE"/>
                         <a:t>Der Benutzer kann in einer Suchleiste den Namen eines gesuchten Assets angeben und so die Liste filtern</a:t>
                       </a:r>
                     </a:p>
@@ -11553,7 +11547,7 @@
                     <a:lstStyle/>
                     <a:p>
                       <a:r>
-                        <a:rPr lang="de-DE" dirty="0"/>
+                        <a:rPr lang="de-DE"/>
                         <a:t>Priorität</a:t>
                       </a:r>
                     </a:p>
@@ -11611,7 +11605,7 @@
                     <a:lstStyle/>
                     <a:p>
                       <a:r>
-                        <a:rPr lang="de-DE" dirty="0"/>
+                        <a:rPr lang="de-DE"/>
                         <a:t>3</a:t>
                       </a:r>
                     </a:p>
@@ -11791,7 +11785,7 @@
             </a:pPr>
             <a:fld id="{78598B66-438E-47D5-9F98-1A748D688CA8}" type="datetime1">
               <a:rPr lang="de-DE" smtClean="0"/>
-              <a:t>06.11.2022</a:t>
+              <a:t>07.11.2022</a:t>
             </a:fld>
             <a:endParaRPr lang="de-DE" sz="1400"/>
           </a:p>
@@ -11945,7 +11939,7 @@
                     <a:lstStyle/>
                     <a:p>
                       <a:r>
-                        <a:rPr lang="de-DE" dirty="0"/>
+                        <a:rPr lang="de-DE"/>
                         <a:t>Übersicht</a:t>
                       </a:r>
                     </a:p>
@@ -12020,14 +12014,14 @@
                         <a:defRPr/>
                       </a:pPr>
                       <a:r>
-                        <a:rPr lang="de-DE" kern="150" dirty="0">
+                        <a:rPr lang="de-DE" kern="150">
                           <a:latin typeface="Arial"/>
                           <a:ea typeface="Times New Roman" panose="02020603050405020304" pitchFamily="18" charset="0"/>
                           <a:cs typeface="Arial"/>
                         </a:rPr>
                         <a:t>Knöpfe, die eine Rückkehr zu der vorherigen Ansicht oder zum Home-Screen ermöglichen</a:t>
                       </a:r>
-                      <a:endParaRPr lang="de-DE" kern="150" dirty="0">
+                      <a:endParaRPr lang="de-DE" kern="150">
                         <a:effectLst/>
                         <a:latin typeface="Arial"/>
                         <a:ea typeface="Times New Roman" panose="02020603050405020304" pitchFamily="18" charset="0"/>
@@ -12095,7 +12089,7 @@
                     <a:lstStyle/>
                     <a:p>
                       <a:r>
-                        <a:rPr lang="de-DE" dirty="0"/>
+                        <a:rPr lang="de-DE"/>
                         <a:t>Kriterien</a:t>
                       </a:r>
                     </a:p>
@@ -12153,7 +12147,7 @@
                     <a:lstStyle/>
                     <a:p>
                       <a:r>
-                        <a:rPr lang="de-DE" dirty="0"/>
+                        <a:rPr lang="de-DE"/>
                         <a:t>Der Benutzer kann die Navigationsknöpfe benutzen</a:t>
                       </a:r>
                     </a:p>
@@ -12218,7 +12212,7 @@
                     <a:lstStyle/>
                     <a:p>
                       <a:r>
-                        <a:rPr lang="de-DE" dirty="0"/>
+                        <a:rPr lang="de-DE"/>
                         <a:t>Priorität</a:t>
                       </a:r>
                     </a:p>
@@ -12276,7 +12270,7 @@
                     <a:lstStyle/>
                     <a:p>
                       <a:r>
-                        <a:rPr lang="de-DE" dirty="0"/>
+                        <a:rPr lang="de-DE"/>
                         <a:t>1</a:t>
                       </a:r>
                     </a:p>
@@ -12392,7 +12386,7 @@
                     <a:lstStyle/>
                     <a:p>
                       <a:r>
-                        <a:rPr lang="de-DE" dirty="0"/>
+                        <a:rPr lang="de-DE"/>
                         <a:t>Übersicht</a:t>
                       </a:r>
                     </a:p>
@@ -12450,7 +12444,7 @@
                     <a:lstStyle/>
                     <a:p>
                       <a:r>
-                        <a:rPr lang="de-DE" dirty="0"/>
+                        <a:rPr lang="de-DE"/>
                         <a:t>Das Programm kann einen QR-Code mit einem Text als Inhalt generieren</a:t>
                       </a:r>
                     </a:p>
@@ -12515,7 +12509,7 @@
                     <a:lstStyle/>
                     <a:p>
                       <a:r>
-                        <a:rPr lang="de-DE" dirty="0"/>
+                        <a:rPr lang="de-DE"/>
                         <a:t>Kriterien</a:t>
                       </a:r>
                     </a:p>
@@ -12573,7 +12567,7 @@
                     <a:lstStyle/>
                     <a:p>
                       <a:r>
-                        <a:rPr lang="de-DE" dirty="0"/>
+                        <a:rPr lang="de-DE"/>
                         <a:t>Der QR-Code wird entsprechend des DIN-Standards generiert und ist für Geräte lesbar.</a:t>
                       </a:r>
                     </a:p>
@@ -12638,7 +12632,7 @@
                     <a:lstStyle/>
                     <a:p>
                       <a:r>
-                        <a:rPr lang="de-DE" dirty="0"/>
+                        <a:rPr lang="de-DE"/>
                         <a:t>Priorität</a:t>
                       </a:r>
                     </a:p>
@@ -12696,7 +12690,7 @@
                     <a:lstStyle/>
                     <a:p>
                       <a:r>
-                        <a:rPr lang="de-DE" dirty="0"/>
+                        <a:rPr lang="de-DE"/>
                         <a:t>5</a:t>
                       </a:r>
                     </a:p>
@@ -12876,7 +12870,7 @@
             </a:pPr>
             <a:fld id="{BEB89445-4797-4ED8-B49F-BF6104A4386C}" type="datetime1">
               <a:rPr lang="de-DE" smtClean="0"/>
-              <a:t>06.11.2022</a:t>
+              <a:t>07.11.2022</a:t>
             </a:fld>
             <a:endParaRPr lang="de-DE" sz="1400"/>
           </a:p>
@@ -13030,7 +13024,7 @@
                     <a:lstStyle/>
                     <a:p>
                       <a:r>
-                        <a:rPr lang="de-DE" dirty="0"/>
+                        <a:rPr lang="de-DE"/>
                         <a:t>Übersicht</a:t>
                       </a:r>
                     </a:p>
@@ -13088,15 +13082,15 @@
                     <a:lstStyle/>
                     <a:p>
                       <a:r>
-                        <a:rPr lang="de-DE" dirty="0"/>
+                        <a:rPr lang="de-DE"/>
                         <a:t>Das Programm kann aus Daten eine </a:t>
                       </a:r>
                       <a:r>
-                        <a:rPr lang="de-DE" dirty="0" err="1"/>
+                        <a:rPr lang="de-DE" err="1"/>
                         <a:t>Nameplate</a:t>
                       </a:r>
                       <a:r>
-                        <a:rPr lang="de-DE" dirty="0"/>
+                        <a:rPr lang="de-DE"/>
                         <a:t> generieren</a:t>
                       </a:r>
                     </a:p>
@@ -13161,7 +13155,7 @@
                     <a:lstStyle/>
                     <a:p>
                       <a:r>
-                        <a:rPr lang="de-DE" dirty="0"/>
+                        <a:rPr lang="de-DE"/>
                         <a:t>Kriterien</a:t>
                       </a:r>
                     </a:p>
@@ -13284,7 +13278,7 @@
                     <a:lstStyle/>
                     <a:p>
                       <a:r>
-                        <a:rPr lang="de-DE" dirty="0"/>
+                        <a:rPr lang="de-DE"/>
                         <a:t>Priorität</a:t>
                       </a:r>
                     </a:p>
@@ -13342,7 +13336,7 @@
                     <a:lstStyle/>
                     <a:p>
                       <a:r>
-                        <a:rPr lang="de-DE" dirty="0"/>
+                        <a:rPr lang="de-DE"/>
                         <a:t>5</a:t>
                       </a:r>
                     </a:p>
@@ -13458,7 +13452,7 @@
                     <a:lstStyle/>
                     <a:p>
                       <a:r>
-                        <a:rPr lang="de-DE" dirty="0"/>
+                        <a:rPr lang="de-DE"/>
                         <a:t>Übersicht</a:t>
                       </a:r>
                     </a:p>
@@ -13516,7 +13510,7 @@
                     <a:lstStyle/>
                     <a:p>
                       <a:r>
-                        <a:rPr lang="de-DE" dirty="0"/>
+                        <a:rPr lang="de-DE"/>
                         <a:t>Die Anwendung kann ein Preview-Fester öffnen</a:t>
                       </a:r>
                     </a:p>
@@ -13581,7 +13575,7 @@
                     <a:lstStyle/>
                     <a:p>
                       <a:r>
-                        <a:rPr lang="de-DE" dirty="0"/>
+                        <a:rPr lang="de-DE"/>
                         <a:t>Kriterien</a:t>
                       </a:r>
                     </a:p>
@@ -13639,15 +13633,15 @@
                     <a:lstStyle/>
                     <a:p>
                       <a:r>
-                        <a:rPr lang="de-DE" dirty="0"/>
+                        <a:rPr lang="de-DE"/>
                         <a:t>Der Benutzer kann auf die generierte </a:t>
                       </a:r>
                       <a:r>
-                        <a:rPr lang="de-DE" dirty="0" err="1"/>
+                        <a:rPr lang="de-DE" err="1"/>
                         <a:t>Nameplate</a:t>
                       </a:r>
                       <a:r>
-                        <a:rPr lang="de-DE" dirty="0"/>
+                        <a:rPr lang="de-DE"/>
                         <a:t> klicken und sich eine vergrößerte Vorschau ansehen</a:t>
                       </a:r>
                     </a:p>
@@ -13712,7 +13706,7 @@
                     <a:lstStyle/>
                     <a:p>
                       <a:r>
-                        <a:rPr lang="de-DE" dirty="0"/>
+                        <a:rPr lang="de-DE"/>
                         <a:t>Priorität</a:t>
                       </a:r>
                     </a:p>
@@ -13770,7 +13764,7 @@
                     <a:lstStyle/>
                     <a:p>
                       <a:r>
-                        <a:rPr lang="de-DE" dirty="0"/>
+                        <a:rPr lang="de-DE"/>
                         <a:t>1</a:t>
                       </a:r>
                     </a:p>
@@ -13950,7 +13944,7 @@
             </a:pPr>
             <a:fld id="{4884A54C-C4C7-4044-A177-5DEFC0783FC9}" type="datetime1">
               <a:rPr lang="de-DE" smtClean="0"/>
-              <a:t>06.11.2022</a:t>
+              <a:t>07.11.2022</a:t>
             </a:fld>
             <a:endParaRPr lang="de-DE" sz="1400"/>
           </a:p>
@@ -14044,7 +14038,7 @@
             <p:ph idx="13"/>
             <p:extLst>
               <p:ext uri="{D42A27DB-BD31-4B8C-83A1-F6EECF244321}">
-                <p14:modId xmlns:p14="http://schemas.microsoft.com/office/powerpoint/2010/main" val="361124890"/>
+                <p14:modId xmlns:p14="http://schemas.microsoft.com/office/powerpoint/2010/main" val="111049124"/>
               </p:ext>
             </p:extLst>
           </p:nvPr>
@@ -14082,7 +14076,7 @@
                     <a:lstStyle/>
                     <a:p>
                       <a:r>
-                        <a:rPr lang="de-DE" dirty="0"/>
+                        <a:rPr lang="de-DE"/>
                         <a:t>Übersicht</a:t>
                       </a:r>
                     </a:p>
@@ -14140,7 +14134,7 @@
                     <a:lstStyle/>
                     <a:p>
                       <a:r>
-                        <a:rPr lang="de-DE" dirty="0"/>
+                        <a:rPr lang="de-DE"/>
                         <a:t>Die Anwendung kann Fehler verarbeiten</a:t>
                       </a:r>
                     </a:p>
@@ -14205,7 +14199,7 @@
                     <a:lstStyle/>
                     <a:p>
                       <a:r>
-                        <a:rPr lang="de-DE" dirty="0"/>
+                        <a:rPr lang="de-DE"/>
                         <a:t>Kriterien</a:t>
                       </a:r>
                     </a:p>
@@ -14264,7 +14258,7 @@
                     <a:p>
                       <a:r>
                         <a:rPr lang="de-DE" dirty="0"/>
-                        <a:t>Fehler in der Anwendung erzeugen eine Warnung, führen aber nicht zu abstürzen oder falschem Verhalten</a:t>
+                        <a:t>Fehler in der Anwendung erzeugen eine Warnung, führen aber nicht zu Abstürzen oder falschem Verhalten</a:t>
                       </a:r>
                     </a:p>
                   </a:txBody>
@@ -14328,7 +14322,7 @@
                     <a:lstStyle/>
                     <a:p>
                       <a:r>
-                        <a:rPr lang="de-DE" dirty="0"/>
+                        <a:rPr lang="de-DE"/>
                         <a:t>Priorität</a:t>
                       </a:r>
                     </a:p>
@@ -14591,7 +14585,7 @@
             </a:pPr>
             <a:fld id="{B7022FC2-F8FD-438A-B7C7-82A7CF90DD38}" type="datetime1">
               <a:rPr lang="de-DE" smtClean="0"/>
-              <a:t>06.11.2022</a:t>
+              <a:t>07.11.2022</a:t>
             </a:fld>
             <a:endParaRPr lang="de-DE" sz="1400"/>
           </a:p>
@@ -14745,7 +14739,7 @@
                     <a:lstStyle/>
                     <a:p>
                       <a:r>
-                        <a:rPr lang="de-DE" dirty="0"/>
+                        <a:rPr lang="de-DE"/>
                         <a:t>Übersicht</a:t>
                       </a:r>
                     </a:p>
@@ -14803,7 +14797,7 @@
                     <a:lstStyle/>
                     <a:p>
                       <a:r>
-                        <a:rPr lang="de-DE" dirty="0"/>
+                        <a:rPr lang="de-DE"/>
                         <a:t>Die Website ist so gestaltet, dass sie ein Benutzer ohne Erfahrung bedienen kann</a:t>
                       </a:r>
                     </a:p>
@@ -14868,7 +14862,7 @@
                     <a:lstStyle/>
                     <a:p>
                       <a:r>
-                        <a:rPr lang="de-DE" dirty="0"/>
+                        <a:rPr lang="de-DE"/>
                         <a:t>Kriterien</a:t>
                       </a:r>
                     </a:p>
@@ -14926,7 +14920,7 @@
                     <a:lstStyle/>
                     <a:p>
                       <a:r>
-                        <a:rPr lang="de-DE" dirty="0"/>
+                        <a:rPr lang="de-DE"/>
                         <a:t>Ein unerfahrener Nutzer sollte innerhalb von 2 min navigieren können und Funktionen in 30 sec finden</a:t>
                       </a:r>
                     </a:p>
@@ -14991,7 +14985,7 @@
                     <a:lstStyle/>
                     <a:p>
                       <a:r>
-                        <a:rPr lang="de-DE" dirty="0"/>
+                        <a:rPr lang="de-DE"/>
                         <a:t>Priorität</a:t>
                       </a:r>
                     </a:p>
@@ -15049,7 +15043,7 @@
                     <a:lstStyle/>
                     <a:p>
                       <a:r>
-                        <a:rPr lang="de-DE" dirty="0"/>
+                        <a:rPr lang="de-DE"/>
                         <a:t>5</a:t>
                       </a:r>
                     </a:p>
@@ -15165,7 +15159,7 @@
                     <a:lstStyle/>
                     <a:p>
                       <a:r>
-                        <a:rPr lang="de-DE" dirty="0"/>
+                        <a:rPr lang="de-DE"/>
                         <a:t>Übersicht</a:t>
                       </a:r>
                     </a:p>
@@ -15223,7 +15217,7 @@
                     <a:lstStyle/>
                     <a:p>
                       <a:r>
-                        <a:rPr lang="de-DE" dirty="0"/>
+                        <a:rPr lang="de-DE"/>
                         <a:t>Die Website hat eine angemessene Performance</a:t>
                       </a:r>
                     </a:p>
@@ -15288,7 +15282,7 @@
                     <a:lstStyle/>
                     <a:p>
                       <a:r>
-                        <a:rPr lang="de-DE" dirty="0"/>
+                        <a:rPr lang="de-DE"/>
                         <a:t>Kriterien</a:t>
                       </a:r>
                     </a:p>
@@ -15346,7 +15340,7 @@
                     <a:lstStyle/>
                     <a:p>
                       <a:r>
-                        <a:rPr lang="de-DE" dirty="0"/>
+                        <a:rPr lang="de-DE"/>
                         <a:t>Die Ladezeiten sind der Hardware und Internetverbindung angemessen und immer im Bereich von einigen Sekunden</a:t>
                       </a:r>
                     </a:p>
@@ -15411,7 +15405,7 @@
                     <a:lstStyle/>
                     <a:p>
                       <a:r>
-                        <a:rPr lang="de-DE" dirty="0"/>
+                        <a:rPr lang="de-DE"/>
                         <a:t>Priorität</a:t>
                       </a:r>
                     </a:p>
@@ -15469,7 +15463,7 @@
                     <a:lstStyle/>
                     <a:p>
                       <a:r>
-                        <a:rPr lang="de-DE" dirty="0"/>
+                        <a:rPr lang="de-DE"/>
                         <a:t>3</a:t>
                       </a:r>
                     </a:p>
@@ -15649,7 +15643,7 @@
             </a:pPr>
             <a:fld id="{D38BB753-225A-485C-856B-DB3B25012F83}" type="datetime1">
               <a:rPr lang="de-DE" smtClean="0"/>
-              <a:t>06.11.2022</a:t>
+              <a:t>07.11.2022</a:t>
             </a:fld>
             <a:endParaRPr lang="de-DE" sz="1400"/>
           </a:p>
@@ -15803,7 +15797,7 @@
                     <a:lstStyle/>
                     <a:p>
                       <a:r>
-                        <a:rPr lang="de-DE" dirty="0"/>
+                        <a:rPr lang="de-DE"/>
                         <a:t>Übersicht</a:t>
                       </a:r>
                     </a:p>
@@ -15861,7 +15855,7 @@
                     <a:lstStyle/>
                     <a:p>
                       <a:r>
-                        <a:rPr lang="de-DE" dirty="0"/>
+                        <a:rPr lang="de-DE"/>
                         <a:t>Die Anwendung muss zuverlässig richtige Daten anzeigen</a:t>
                       </a:r>
                     </a:p>
@@ -15926,7 +15920,7 @@
                     <a:lstStyle/>
                     <a:p>
                       <a:r>
-                        <a:rPr lang="de-DE" dirty="0"/>
+                        <a:rPr lang="de-DE"/>
                         <a:t>Kriterien</a:t>
                       </a:r>
                     </a:p>
@@ -16049,7 +16043,7 @@
                     <a:lstStyle/>
                     <a:p>
                       <a:r>
-                        <a:rPr lang="de-DE" dirty="0"/>
+                        <a:rPr lang="de-DE"/>
                         <a:t>Priorität</a:t>
                       </a:r>
                     </a:p>
@@ -16107,7 +16101,7 @@
                     <a:lstStyle/>
                     <a:p>
                       <a:r>
-                        <a:rPr lang="de-DE" dirty="0"/>
+                        <a:rPr lang="de-DE"/>
                         <a:t>4</a:t>
                       </a:r>
                     </a:p>
@@ -16223,7 +16217,7 @@
                     <a:lstStyle/>
                     <a:p>
                       <a:r>
-                        <a:rPr lang="de-DE" dirty="0"/>
+                        <a:rPr lang="de-DE"/>
                         <a:t>Übersicht</a:t>
                       </a:r>
                     </a:p>
@@ -16281,7 +16275,7 @@
                     <a:lstStyle/>
                     <a:p>
                       <a:r>
-                        <a:rPr lang="de-DE" dirty="0"/>
+                        <a:rPr lang="de-DE"/>
                         <a:t>Die Anwendung kann gewartet werden</a:t>
                       </a:r>
                     </a:p>
@@ -16346,7 +16340,7 @@
                     <a:lstStyle/>
                     <a:p>
                       <a:r>
-                        <a:rPr lang="de-DE" dirty="0"/>
+                        <a:rPr lang="de-DE"/>
                         <a:t>Kriterien</a:t>
                       </a:r>
                     </a:p>
@@ -16404,7 +16398,7 @@
                     <a:lstStyle/>
                     <a:p>
                       <a:r>
-                        <a:rPr lang="de-DE" dirty="0"/>
+                        <a:rPr lang="de-DE"/>
                         <a:t>Jeder Entwickler kann den Quellcode verstehen und wenn nötig Änderungen machen</a:t>
                       </a:r>
                     </a:p>
@@ -16469,7 +16463,7 @@
                     <a:lstStyle/>
                     <a:p>
                       <a:r>
-                        <a:rPr lang="de-DE" dirty="0"/>
+                        <a:rPr lang="de-DE"/>
                         <a:t>Priorität</a:t>
                       </a:r>
                     </a:p>
@@ -16527,7 +16521,7 @@
                     <a:lstStyle/>
                     <a:p>
                       <a:r>
-                        <a:rPr lang="de-DE" dirty="0"/>
+                        <a:rPr lang="de-DE"/>
                         <a:t>3</a:t>
                       </a:r>
                     </a:p>
@@ -17060,7 +17054,7 @@
             </a:pPr>
             <a:fld id="{EBC16A16-1D33-41FA-901A-A29A7B469491}" type="datetime1">
               <a:rPr lang="de-DE" smtClean="0"/>
-              <a:t>06.11.2022</a:t>
+              <a:t>07.11.2022</a:t>
             </a:fld>
             <a:endParaRPr lang="de-DE" sz="1400"/>
           </a:p>
@@ -18222,7 +18216,7 @@
                         </a:spcAft>
                         <a:buNone/>
                       </a:pPr>
-                      <a:endParaRPr lang="de-DE" sz="1400" i="0" u="none" strike="noStrike" noProof="0" dirty="0"/>
+                      <a:endParaRPr lang="de-DE" sz="1400" i="0" u="none" strike="noStrike" noProof="0"/>
                     </a:p>
                   </a:txBody>
                   <a:tcPr/>
@@ -18244,7 +18238,7 @@
                         </a:spcAft>
                         <a:buNone/>
                       </a:pPr>
-                      <a:endParaRPr lang="de-DE" sz="1400" i="0" u="none" strike="noStrike" noProof="0" dirty="0"/>
+                      <a:endParaRPr lang="de-DE" sz="1400" i="0" u="none" strike="noStrike" noProof="0"/>
                     </a:p>
                   </a:txBody>
                   <a:tcPr/>
@@ -18266,7 +18260,7 @@
                         </a:spcAft>
                         <a:buNone/>
                       </a:pPr>
-                      <a:endParaRPr lang="de-DE" sz="1400" i="0" u="none" strike="noStrike" noProof="0" dirty="0"/>
+                      <a:endParaRPr lang="de-DE" sz="1400" i="0" u="none" strike="noStrike" noProof="0"/>
                     </a:p>
                   </a:txBody>
                   <a:tcPr/>
@@ -18288,7 +18282,7 @@
                         </a:spcAft>
                         <a:buNone/>
                       </a:pPr>
-                      <a:endParaRPr lang="de-DE" sz="1400" i="0" u="none" strike="noStrike" noProof="0" dirty="0"/>
+                      <a:endParaRPr lang="de-DE" sz="1400" i="0" u="none" strike="noStrike" noProof="0"/>
                     </a:p>
                   </a:txBody>
                   <a:tcPr/>
@@ -18310,7 +18304,7 @@
                         </a:spcAft>
                         <a:buNone/>
                       </a:pPr>
-                      <a:endParaRPr lang="de-DE" sz="1400" i="0" u="none" strike="noStrike" noProof="0" dirty="0"/>
+                      <a:endParaRPr lang="de-DE" sz="1400" i="0" u="none" strike="noStrike" noProof="0"/>
                     </a:p>
                   </a:txBody>
                   <a:tcPr/>
@@ -18332,7 +18326,7 @@
                         </a:spcAft>
                         <a:buNone/>
                       </a:pPr>
-                      <a:endParaRPr lang="de-DE" sz="1400" i="0" u="none" strike="noStrike" noProof="0" dirty="0"/>
+                      <a:endParaRPr lang="de-DE" sz="1400" i="0" u="none" strike="noStrike" noProof="0"/>
                     </a:p>
                   </a:txBody>
                   <a:tcPr/>
@@ -18382,7 +18376,7 @@
           <a:p>
             <a:pPr algn="ctr"/>
             <a:r>
-              <a:rPr lang="en-US" sz="1400" dirty="0">
+              <a:rPr lang="en-US" sz="1400">
                 <a:solidFill>
                   <a:schemeClr val="bg1"/>
                 </a:solidFill>
@@ -18428,7 +18422,7 @@
           <a:p>
             <a:pPr algn="ctr"/>
             <a:r>
-              <a:rPr lang="en-US" sz="1400" dirty="0">
+              <a:rPr lang="en-US" sz="1400">
                 <a:solidFill>
                   <a:schemeClr val="bg1"/>
                 </a:solidFill>
@@ -18474,7 +18468,7 @@
           <a:p>
             <a:pPr algn="ctr"/>
             <a:r>
-              <a:rPr lang="en-US" sz="1400" dirty="0">
+              <a:rPr lang="en-US" sz="1400">
                 <a:solidFill>
                   <a:schemeClr val="bg1"/>
                 </a:solidFill>
@@ -18520,7 +18514,7 @@
           <a:p>
             <a:pPr algn="ctr"/>
             <a:r>
-              <a:rPr lang="en-US" sz="1400" dirty="0">
+              <a:rPr lang="en-US" sz="1400">
                 <a:solidFill>
                   <a:schemeClr val="bg1"/>
                 </a:solidFill>
@@ -18566,7 +18560,7 @@
           <a:p>
             <a:pPr algn="ctr"/>
             <a:r>
-              <a:rPr lang="en-US" sz="1400" dirty="0">
+              <a:rPr lang="en-US" sz="1400">
                 <a:solidFill>
                   <a:schemeClr val="bg1"/>
                 </a:solidFill>
@@ -18612,7 +18606,7 @@
           <a:p>
             <a:pPr algn="ctr"/>
             <a:r>
-              <a:rPr lang="en-US" sz="1400" dirty="0">
+              <a:rPr lang="en-US" sz="1400">
                 <a:solidFill>
                   <a:schemeClr val="bg1"/>
                 </a:solidFill>
@@ -18787,14 +18781,14 @@
             </a:lvl9pPr>
           </a:lstStyle>
           <a:p>
-            <a:endParaRPr lang="de-DE" kern="0" dirty="0"/>
-          </a:p>
-          <a:p>
-            <a:r>
-              <a:rPr lang="de-DE" kern="0" dirty="0"/>
+            <a:endParaRPr lang="de-DE" kern="0"/>
+          </a:p>
+          <a:p>
+            <a:r>
+              <a:rPr lang="de-DE" kern="0"/>
               <a:t>Team</a:t>
             </a:r>
-            <a:endParaRPr lang="de-DE" dirty="0"/>
+            <a:endParaRPr lang="de-DE"/>
           </a:p>
         </p:txBody>
       </p:sp>
@@ -18952,7 +18946,7 @@
             </a:pPr>
             <a:fld id="{64F99F50-A43E-4D78-99F7-E598D086F1BA}" type="datetime1">
               <a:rPr lang="de-DE" smtClean="0"/>
-              <a:t>06.11.2022</a:t>
+              <a:t>07.11.2022</a:t>
             </a:fld>
             <a:endParaRPr lang="de-DE" sz="1400"/>
           </a:p>
@@ -19046,7 +19040,7 @@
             <p:ph idx="13"/>
             <p:extLst>
               <p:ext uri="{D42A27DB-BD31-4B8C-83A1-F6EECF244321}">
-                <p14:modId xmlns:p14="http://schemas.microsoft.com/office/powerpoint/2010/main" val="394653008"/>
+                <p14:modId xmlns:p14="http://schemas.microsoft.com/office/powerpoint/2010/main" val="2251077953"/>
               </p:ext>
             </p:extLst>
           </p:nvPr>
@@ -19084,7 +19078,7 @@
                     <a:lstStyle/>
                     <a:p>
                       <a:r>
-                        <a:rPr lang="de-DE" dirty="0"/>
+                        <a:rPr lang="de-DE"/>
                         <a:t>Übersicht</a:t>
                       </a:r>
                     </a:p>
@@ -19142,7 +19136,7 @@
                     <a:lstStyle/>
                     <a:p>
                       <a:r>
-                        <a:rPr lang="de-DE" dirty="0"/>
+                        <a:rPr lang="de-DE"/>
                         <a:t>Das Projekt ist Open-Source</a:t>
                       </a:r>
                     </a:p>
@@ -19207,7 +19201,7 @@
                     <a:lstStyle/>
                     <a:p>
                       <a:r>
-                        <a:rPr lang="de-DE" dirty="0"/>
+                        <a:rPr lang="de-DE"/>
                         <a:t>Kriterien</a:t>
                       </a:r>
                     </a:p>
@@ -19266,7 +19260,15 @@
                     <a:p>
                       <a:r>
                         <a:rPr lang="de-DE" dirty="0"/>
-                        <a:t>Die Lizenz verwendet erlaubt eine offene Verwendung des Quellcodes und sichert die Developer ab</a:t>
+                        <a:t>Die verwendete </a:t>
+                      </a:r>
+                      <a:r>
+                        <a:rPr lang="de-DE"/>
+                        <a:t>Lizenz erlaubt eine </a:t>
+                      </a:r>
+                      <a:r>
+                        <a:rPr lang="de-DE" dirty="0"/>
+                        <a:t>offene Verwendung des Quellcodes und sichert die Developer ab</a:t>
                       </a:r>
                     </a:p>
                   </a:txBody>
@@ -19330,7 +19332,7 @@
                     <a:lstStyle/>
                     <a:p>
                       <a:r>
-                        <a:rPr lang="de-DE" dirty="0"/>
+                        <a:rPr lang="de-DE"/>
                         <a:t>Priorität</a:t>
                       </a:r>
                     </a:p>
@@ -19786,7 +19788,7 @@
             </a:pPr>
             <a:fld id="{25E88FF6-6BB4-43A6-B7FA-D5AEB791205B}" type="datetime1">
               <a:rPr lang="de-DE" smtClean="0"/>
-              <a:t>06.11.2022</a:t>
+              <a:t>07.11.2022</a:t>
             </a:fld>
             <a:endParaRPr lang="de-DE" sz="1400"/>
           </a:p>
@@ -19959,7 +19961,7 @@
             </a:pPr>
             <a:fld id="{ED4B7168-EB50-42D7-BF7E-99D5BD027017}" type="datetime1">
               <a:rPr lang="de-DE" smtClean="0"/>
-              <a:t>06.11.2022</a:t>
+              <a:t>07.11.2022</a:t>
             </a:fld>
             <a:endParaRPr lang="de-DE" sz="1400"/>
           </a:p>
@@ -20051,7 +20053,7 @@
           <a:lstStyle/>
           <a:p>
             <a:r>
-              <a:rPr lang="de-DE" noProof="0" dirty="0"/>
+              <a:rPr lang="de-DE" noProof="0"/>
               <a:t>Fragen und Feedback</a:t>
             </a:r>
           </a:p>
@@ -20142,7 +20144,7 @@
             </a:pPr>
             <a:fld id="{AABE29C4-30A3-4823-9FFF-FD4776A62D40}" type="datetime1">
               <a:rPr lang="de-DE" smtClean="0"/>
-              <a:t>06.11.2022</a:t>
+              <a:t>07.11.2022</a:t>
             </a:fld>
             <a:endParaRPr lang="de-DE" sz="1400"/>
           </a:p>
@@ -20200,10 +20202,10 @@
           <a:lstStyle/>
           <a:p>
             <a:r>
-              <a:rPr lang="de-DE" dirty="0"/>
+              <a:rPr lang="de-DE"/>
               <a:t>Agenda</a:t>
             </a:r>
-            <a:endParaRPr lang="de-DE" noProof="0" dirty="0"/>
+            <a:endParaRPr lang="de-DE" noProof="0"/>
           </a:p>
         </p:txBody>
       </p:sp>
@@ -20233,7 +20235,7 @@
               <a:buChar char="•"/>
             </a:pPr>
             <a:r>
-              <a:rPr lang="en-GB" b="1" dirty="0">
+              <a:rPr lang="en-GB" b="1">
                 <a:solidFill>
                   <a:schemeClr val="bg2"/>
                 </a:solidFill>
@@ -20254,7 +20256,7 @@
               <a:buChar char="o"/>
             </a:pPr>
             <a:r>
-              <a:rPr lang="en-GB" sz="1600" dirty="0">
+              <a:rPr lang="en-GB" sz="1600">
                 <a:solidFill>
                   <a:schemeClr val="bg2"/>
                 </a:solidFill>
@@ -20269,7 +20271,7 @@
               <a:buChar char="o"/>
             </a:pPr>
             <a:r>
-              <a:rPr lang="en-GB" sz="1600" dirty="0" err="1">
+              <a:rPr lang="en-GB" sz="1600" err="1">
                 <a:solidFill>
                   <a:schemeClr val="bg2"/>
                 </a:solidFill>
@@ -20277,7 +20279,7 @@
               </a:rPr>
               <a:t>Projektstrukturplan</a:t>
             </a:r>
-            <a:endParaRPr lang="en-GB" sz="1600" dirty="0">
+            <a:endParaRPr lang="en-GB" sz="1600">
               <a:solidFill>
                 <a:schemeClr val="bg2"/>
               </a:solidFill>
@@ -20290,7 +20292,7 @@
               <a:buChar char="o"/>
             </a:pPr>
             <a:r>
-              <a:rPr lang="en-GB" sz="1600" dirty="0">
+              <a:rPr lang="en-GB" sz="1600">
                 <a:solidFill>
                   <a:schemeClr val="bg2"/>
                 </a:solidFill>
@@ -20308,7 +20310,7 @@
               <a:t>Diagramm</a:t>
             </a:r>
             <a:r>
-              <a:rPr lang="en-GB" sz="1600" dirty="0">
+              <a:rPr lang="en-GB" sz="1600">
                 <a:solidFill>
                   <a:schemeClr val="bg2"/>
                 </a:solidFill>
@@ -20344,7 +20346,7 @@
               <a:buChar char="o"/>
             </a:pPr>
             <a:r>
-              <a:rPr lang="en-GB" sz="1600" dirty="0" err="1">
+              <a:rPr lang="en-GB" sz="1600" err="1">
                 <a:solidFill>
                   <a:schemeClr val="bg2"/>
                 </a:solidFill>
@@ -20352,7 +20354,7 @@
               </a:rPr>
               <a:t>Zeiterfassungsanalyse</a:t>
             </a:r>
-            <a:endParaRPr lang="en-GB" sz="1600" dirty="0">
+            <a:endParaRPr lang="en-GB" sz="1600">
               <a:solidFill>
                 <a:schemeClr val="bg2"/>
               </a:solidFill>
@@ -20386,7 +20388,7 @@
               <a:buChar char="o"/>
             </a:pPr>
             <a:r>
-              <a:rPr lang="de-DE" sz="1600" dirty="0">
+              <a:rPr lang="de-DE" sz="1600">
                 <a:solidFill>
                   <a:schemeClr val="bg2"/>
                 </a:solidFill>
@@ -20409,7 +20411,7 @@
               <a:buChar char="o"/>
             </a:pPr>
             <a:r>
-              <a:rPr lang="de-DE" sz="1600" dirty="0">
+              <a:rPr lang="de-DE" sz="1600">
                 <a:solidFill>
                   <a:schemeClr val="bg2"/>
                 </a:solidFill>
@@ -20418,7 +20420,7 @@
               </a:rPr>
               <a:t>Business Case</a:t>
             </a:r>
-            <a:endParaRPr lang="de-DE" sz="1600" dirty="0">
+            <a:endParaRPr lang="de-DE" sz="1600">
               <a:solidFill>
                 <a:schemeClr val="bg2"/>
               </a:solidFill>
@@ -20431,7 +20433,7 @@
               <a:buChar char="•"/>
             </a:pPr>
             <a:r>
-              <a:rPr lang="de-DE" sz="1600" b="1" dirty="0">
+              <a:rPr lang="de-DE" sz="1600" b="1">
                 <a:solidFill>
                   <a:schemeClr val="bg2"/>
                 </a:solidFill>
@@ -20446,7 +20448,7 @@
               <a:buChar char="o"/>
             </a:pPr>
             <a:r>
-              <a:rPr lang="de-DE" sz="1600" dirty="0">
+              <a:rPr lang="de-DE" sz="1600">
                 <a:solidFill>
                   <a:schemeClr val="bg2"/>
                 </a:solidFill>
@@ -20461,7 +20463,7 @@
               <a:buChar char="o"/>
             </a:pPr>
             <a:r>
-              <a:rPr lang="de-DE" sz="1600" dirty="0">
+              <a:rPr lang="de-DE" sz="1600">
                 <a:solidFill>
                   <a:schemeClr val="bg2"/>
                 </a:solidFill>
@@ -20476,7 +20478,7 @@
               <a:buChar char="o"/>
             </a:pPr>
             <a:r>
-              <a:rPr lang="de-DE" sz="1600" dirty="0">
+              <a:rPr lang="de-DE" sz="1600">
                 <a:solidFill>
                   <a:schemeClr val="bg2"/>
                 </a:solidFill>
@@ -20490,7 +20492,7 @@
               <a:buFont typeface="Arial"/>
               <a:buChar char="•"/>
             </a:pPr>
-            <a:endParaRPr lang="de-DE" dirty="0">
+            <a:endParaRPr lang="de-DE">
               <a:cs typeface="Arial"/>
             </a:endParaRPr>
           </a:p>
@@ -20499,7 +20501,7 @@
               <a:buFont typeface="Arial"/>
               <a:buChar char="•"/>
             </a:pPr>
-            <a:endParaRPr lang="en-GB" dirty="0">
+            <a:endParaRPr lang="en-GB">
               <a:cs typeface="Arial"/>
             </a:endParaRPr>
           </a:p>
@@ -20508,7 +20510,7 @@
               <a:buFont typeface="Arial"/>
               <a:buChar char="•"/>
             </a:pPr>
-            <a:endParaRPr lang="en-GB" dirty="0">
+            <a:endParaRPr lang="en-GB">
               <a:cs typeface="Arial"/>
             </a:endParaRPr>
           </a:p>
@@ -20574,7 +20576,7 @@
             </a:pPr>
             <a:fld id="{DFD1B60A-D18A-4A9F-8A10-1B7A4026CF08}" type="datetime1">
               <a:rPr lang="de-DE" smtClean="0"/>
-              <a:t>06.11.2022</a:t>
+              <a:t>07.11.2022</a:t>
             </a:fld>
             <a:endParaRPr lang="de-DE" sz="1400"/>
           </a:p>
@@ -20632,7 +20634,7 @@
           <a:lstStyle/>
           <a:p>
             <a:r>
-              <a:rPr lang="de-DE" noProof="0" dirty="0"/>
+              <a:rPr lang="de-DE" noProof="0"/>
               <a:t>Projektkontext</a:t>
             </a:r>
           </a:p>
@@ -20671,7 +20673,7 @@
               </a:rPr>
               <a:t>Asset Administration Shell:	</a:t>
             </a:r>
-            <a:endParaRPr lang="de-DE">
+            <a:endParaRPr lang="de-DE" dirty="0">
               <a:solidFill>
                 <a:schemeClr val="bg2"/>
               </a:solidFill>
@@ -20691,7 +20693,7 @@
               </a:rPr>
               <a:t>Verwaltung von Bauteilen / Bauteilgruppen / Maschinen</a:t>
             </a:r>
-            <a:endParaRPr lang="de-DE" noProof="0">
+            <a:endParaRPr lang="de-DE" noProof="0" dirty="0">
               <a:solidFill>
                 <a:schemeClr val="bg2"/>
               </a:solidFill>
@@ -20711,7 +20713,7 @@
               </a:rPr>
               <a:t>“Digital Twin” der realen Objekte</a:t>
             </a:r>
-            <a:endParaRPr lang="de-DE" noProof="0">
+            <a:endParaRPr lang="de-DE" noProof="0" dirty="0">
               <a:solidFill>
                 <a:schemeClr val="bg2"/>
               </a:solidFill>
@@ -20731,7 +20733,7 @@
               </a:rPr>
               <a:t>Erreichbar über eine REST-API</a:t>
             </a:r>
-            <a:endParaRPr lang="de-DE" noProof="0">
+            <a:endParaRPr lang="de-DE" noProof="0" dirty="0">
               <a:solidFill>
                 <a:schemeClr val="bg2"/>
               </a:solidFill>
@@ -20768,7 +20770,7 @@
               </a:rPr>
               <a:t> Submodell:</a:t>
             </a:r>
-            <a:endParaRPr lang="de-DE" noProof="0">
+            <a:endParaRPr lang="de-DE" noProof="0" dirty="0">
               <a:solidFill>
                 <a:schemeClr val="bg2"/>
               </a:solidFill>
@@ -20786,7 +20788,7 @@
                   <a:schemeClr val="bg2"/>
                 </a:solidFill>
               </a:rPr>
-              <a:t>	Beinhaltet Daten über ein das Asset</a:t>
+              <a:t>Beinhaltet Daten über ein Asset</a:t>
             </a:r>
             <a:endParaRPr lang="de-DE" dirty="0">
               <a:solidFill>
@@ -20901,7 +20903,7 @@
             </a:pPr>
             <a:fld id="{18CE0FD9-B0F1-4FD3-9682-DB4F4F203EEE}" type="datetime1">
               <a:rPr lang="de-DE" smtClean="0"/>
-              <a:t>06.11.2022</a:t>
+              <a:t>07.11.2022</a:t>
             </a:fld>
             <a:endParaRPr lang="de-DE" sz="1400"/>
           </a:p>
@@ -20994,13 +20996,13 @@
               <a:buChar char="•"/>
             </a:pPr>
             <a:r>
-              <a:rPr lang="de-DE" dirty="0" err="1">
+              <a:rPr lang="de-DE" err="1">
                 <a:cs typeface="Arial"/>
               </a:rPr>
               <a:t>Nameplates</a:t>
             </a:r>
             <a:r>
-              <a:rPr lang="de-DE" dirty="0">
+              <a:rPr lang="de-DE">
                 <a:cs typeface="Arial"/>
               </a:rPr>
               <a:t> anhand einer gegebenen Datenquelle auf der Basis vom DIN-Standard, einer REST-API und einem AAS-Server</a:t>
@@ -21043,7 +21045,7 @@
             </a:pPr>
             <a:fld id="{5CE31998-C56F-443F-8A5F-FA526115A89C}" type="datetime1">
               <a:rPr lang="de-DE" smtClean="0"/>
-              <a:t>06.11.2022</a:t>
+              <a:t>07.11.2022</a:t>
             </a:fld>
             <a:endParaRPr lang="de-DE" sz="1400"/>
           </a:p>
@@ -21188,12 +21190,12 @@
           <a:lstStyle/>
           <a:p>
             <a:r>
-              <a:rPr lang="de-DE" dirty="0">
+              <a:rPr lang="de-DE">
                 <a:cs typeface="Arial"/>
               </a:rPr>
               <a:t>Projektstruktur</a:t>
             </a:r>
-            <a:endParaRPr lang="de-DE" dirty="0"/>
+            <a:endParaRPr lang="de-DE"/>
           </a:p>
         </p:txBody>
       </p:sp>
@@ -21223,13 +21225,13 @@
               <a:buChar char="•"/>
             </a:pPr>
             <a:r>
-              <a:rPr lang="de-DE" sz="1800" dirty="0" err="1">
+              <a:rPr lang="de-DE" sz="1800" err="1">
                 <a:cs typeface="Arial"/>
               </a:rPr>
               <a:t>Subteams</a:t>
             </a:r>
             <a:r>
-              <a:rPr lang="de-DE" sz="1800" dirty="0">
+              <a:rPr lang="de-DE" sz="1800">
                 <a:cs typeface="Arial"/>
               </a:rPr>
               <a:t> mit Spezialgebieten</a:t>
@@ -21241,19 +21243,19 @@
               <a:buChar char="•"/>
             </a:pPr>
             <a:r>
-              <a:rPr lang="de-DE" sz="1800" dirty="0">
+              <a:rPr lang="de-DE" sz="1800">
                 <a:cs typeface="Arial"/>
               </a:rPr>
               <a:t>Kommunikation der </a:t>
             </a:r>
             <a:r>
-              <a:rPr lang="de-DE" sz="1800" dirty="0" err="1">
+              <a:rPr lang="de-DE" sz="1800" err="1">
                 <a:cs typeface="Arial"/>
               </a:rPr>
               <a:t>Subteams</a:t>
             </a:r>
             <a:r>
-              <a:rPr lang="de-DE" sz="1800" dirty="0">
+              <a:rPr lang="de-DE" sz="1800">
                 <a:cs typeface="Arial"/>
               </a:rPr>
               <a:t> über Schnittstelle &amp; wöchentliches Meeting</a:t>
@@ -21316,7 +21318,7 @@
             </a:pPr>
             <a:fld id="{0118C005-84C4-40CA-AC3D-5731984B9D0B}" type="datetime1">
               <a:rPr lang="de-DE" smtClean="0"/>
-              <a:t>06.11.2022</a:t>
+              <a:t>07.11.2022</a:t>
             </a:fld>
             <a:endParaRPr lang="de-DE" sz="1400"/>
           </a:p>
@@ -21415,7 +21417,7 @@
           <a:lstStyle/>
           <a:p>
             <a:r>
-              <a:rPr lang="de-DE" dirty="0"/>
+              <a:rPr lang="de-DE"/>
               <a:t>Tools</a:t>
             </a:r>
           </a:p>
@@ -21457,7 +21459,7 @@
             </a:pPr>
             <a:fld id="{5B9D8E71-8064-477B-ABEA-A1412E9D3521}" type="datetime1">
               <a:rPr lang="de-DE" smtClean="0"/>
-              <a:t>06.11.2022</a:t>
+              <a:t>07.11.2022</a:t>
             </a:fld>
             <a:endParaRPr lang="de-DE"/>
           </a:p>
@@ -21592,7 +21594,7 @@
             <p:ph idx="1"/>
             <p:extLst>
               <p:ext uri="{D42A27DB-BD31-4B8C-83A1-F6EECF244321}">
-                <p14:modId xmlns:p14="http://schemas.microsoft.com/office/powerpoint/2010/main" val="875872180"/>
+                <p14:modId xmlns:p14="http://schemas.microsoft.com/office/powerpoint/2010/main" val="2935193660"/>
               </p:ext>
             </p:extLst>
           </p:nvPr>
@@ -21647,7 +21649,7 @@
                         <a:buNone/>
                       </a:pPr>
                       <a:r>
-                        <a:rPr lang="de-DE" sz="1800" b="1" i="0" u="none" strike="noStrike" noProof="0" dirty="0" err="1">
+                        <a:rPr lang="de-DE" sz="1800" b="1" i="0" u="none" strike="noStrike" noProof="0" err="1">
                           <a:solidFill>
                             <a:schemeClr val="tx1"/>
                           </a:solidFill>
@@ -21660,7 +21662,7 @@
                       <a:pPr lvl="0" algn="ctr">
                         <a:buNone/>
                       </a:pPr>
-                      <a:endParaRPr lang="de-DE" sz="1800" b="1" i="0" u="none" strike="noStrike" noProof="0" dirty="0">
+                      <a:endParaRPr lang="de-DE" sz="1800" b="1" i="0" u="none" strike="noStrike" noProof="0">
                         <a:solidFill>
                           <a:schemeClr val="bg2"/>
                         </a:solidFill>
@@ -21672,7 +21674,7 @@
                         <a:buNone/>
                       </a:pPr>
                       <a:r>
-                        <a:rPr lang="de-DE" sz="1600" b="0" i="0" u="none" strike="noStrike" noProof="0" dirty="0">
+                        <a:rPr lang="de-DE" sz="1600" b="0" i="0" u="none" strike="noStrike" noProof="0">
                           <a:solidFill>
                             <a:schemeClr val="bg2"/>
                           </a:solidFill>
@@ -21774,7 +21776,7 @@
                         </a:rPr>
                         <a:t> verwalten </a:t>
                       </a:r>
-                      <a:endParaRPr lang="de-DE" sz="1600">
+                      <a:endParaRPr lang="de-DE" sz="1600" dirty="0">
                         <a:solidFill>
                           <a:schemeClr val="bg2"/>
                         </a:solidFill>
@@ -21797,7 +21799,7 @@
                         </a:rPr>
                         <a:t>Projekt managen (Kanban)</a:t>
                       </a:r>
-                      <a:endParaRPr lang="de-DE" sz="1600">
+                      <a:endParaRPr lang="de-DE" sz="1600" dirty="0">
                         <a:solidFill>
                           <a:schemeClr val="bg2"/>
                         </a:solidFill>
@@ -21820,28 +21822,21 @@
                         </a:rPr>
                         <a:t>Dokumentation im Wiki</a:t>
                       </a:r>
-                      <a:endParaRPr lang="en-US" sz="1600">
+                      <a:endParaRPr lang="en-US" sz="1600" b="0" i="0" u="none" strike="noStrike" noProof="0" dirty="0">
                         <a:solidFill>
                           <a:schemeClr val="bg2"/>
                         </a:solidFill>
+                        <a:latin typeface="+mn-lt"/>
                       </a:endParaRPr>
                     </a:p>
                     <a:p>
-                      <a:pPr lvl="0" algn="l">
+                      <a:pPr marL="285750" lvl="0" indent="-285750" algn="l">
                         <a:lnSpc>
                           <a:spcPct val="100000"/>
                         </a:lnSpc>
-                        <a:buNone/>
+                        <a:buFont typeface="Arial"/>
+                        <a:buChar char="•"/>
                       </a:pPr>
-                      <a:r>
-                        <a:rPr lang="de-DE" sz="1600" b="0" i="0" u="none" strike="noStrike" noProof="0" dirty="0">
-                          <a:solidFill>
-                            <a:schemeClr val="bg2"/>
-                          </a:solidFill>
-                          <a:latin typeface="Arial"/>
-                        </a:rPr>
-                        <a:t>     </a:t>
-                      </a:r>
                       <a:r>
                         <a:rPr lang="de-DE" sz="1600" b="0" i="0" u="none" strike="noStrike" noProof="0" dirty="0" err="1">
                           <a:solidFill>
@@ -21858,24 +21853,7 @@
                           </a:solidFill>
                           <a:latin typeface="Arial"/>
                         </a:rPr>
-                        <a:t> auf GitHub </a:t>
-                      </a:r>
-                      <a:br>
-                        <a:rPr lang="de-DE" sz="1600" b="0" i="0" u="none" strike="noStrike" noProof="0" dirty="0">
-                          <a:solidFill>
-                            <a:srgbClr val="808080"/>
-                          </a:solidFill>
-                          <a:latin typeface="Arial"/>
-                        </a:rPr>
-                      </a:br>
-                      <a:r>
-                        <a:rPr lang="de-DE" sz="1600" b="0" i="0" u="none" strike="noStrike" noProof="0" dirty="0">
-                          <a:solidFill>
-                            <a:schemeClr val="bg2"/>
-                          </a:solidFill>
-                          <a:latin typeface="Arial"/>
-                        </a:rPr>
-                        <a:t>     Pages</a:t>
+                        <a:t> auf GitHub Pages</a:t>
                       </a:r>
                       <a:endParaRPr lang="en-US" sz="1600" dirty="0">
                         <a:solidFill>
@@ -21895,7 +21873,7 @@
                         <a:buNone/>
                       </a:pPr>
                       <a:r>
-                        <a:rPr lang="de-DE" sz="1800" b="1" i="0" u="none" strike="noStrike" noProof="0" dirty="0" err="1">
+                        <a:rPr lang="de-DE" sz="1800" b="1" i="0" u="none" strike="noStrike" noProof="0" err="1">
                           <a:solidFill>
                             <a:schemeClr val="tx1"/>
                           </a:solidFill>
@@ -21904,7 +21882,7 @@
                         <a:t>JetBrains</a:t>
                       </a:r>
                       <a:r>
-                        <a:rPr lang="de-DE" sz="1800" b="1" i="0" u="none" strike="noStrike" noProof="0" dirty="0">
+                        <a:rPr lang="de-DE" sz="1800" b="1" i="0" u="none" strike="noStrike" noProof="0">
                           <a:solidFill>
                             <a:schemeClr val="tx1"/>
                           </a:solidFill>
@@ -21913,7 +21891,7 @@
                         <a:t> </a:t>
                       </a:r>
                       <a:r>
-                        <a:rPr lang="de-DE" sz="1800" b="1" i="0" u="none" strike="noStrike" noProof="0" dirty="0" err="1">
+                        <a:rPr lang="de-DE" sz="1800" b="1" i="0" u="none" strike="noStrike" noProof="0" err="1">
                           <a:solidFill>
                             <a:schemeClr val="tx1"/>
                           </a:solidFill>
@@ -21926,7 +21904,7 @@
                       <a:pPr lvl="0" algn="ctr">
                         <a:buNone/>
                       </a:pPr>
-                      <a:endParaRPr lang="de-DE" sz="1800" b="1" i="0" u="none" strike="noStrike" noProof="0" dirty="0">
+                      <a:endParaRPr lang="de-DE" sz="1800" b="1" i="0" u="none" strike="noStrike" noProof="0">
                         <a:solidFill>
                           <a:schemeClr val="bg2"/>
                         </a:solidFill>
@@ -21938,7 +21916,7 @@
                         <a:buNone/>
                       </a:pPr>
                       <a:r>
-                        <a:rPr lang="de-DE" sz="1600" b="0" i="0" u="none" strike="noStrike" noProof="0" dirty="0">
+                        <a:rPr lang="de-DE" sz="1600" b="0" i="0" u="none" strike="noStrike" noProof="0">
                           <a:solidFill>
                             <a:schemeClr val="bg2"/>
                           </a:solidFill>
@@ -21980,7 +21958,7 @@
                         </a:rPr>
                         <a:t> Code</a:t>
                       </a:r>
-                      <a:endParaRPr lang="en-US">
+                      <a:endParaRPr lang="en-US" dirty="0">
                         <a:solidFill>
                           <a:schemeClr val="tx1"/>
                         </a:solidFill>
@@ -22010,7 +21988,7 @@
                         </a:rPr>
                         <a:t>Bearbeiten der </a:t>
                       </a:r>
-                      <a:endParaRPr lang="en-US" sz="1600" b="0" i="0" u="none" strike="noStrike" noProof="0">
+                      <a:endParaRPr lang="en-US" sz="1600" b="0" i="0" u="none" strike="noStrike" noProof="0" dirty="0">
                         <a:solidFill>
                           <a:schemeClr val="bg2"/>
                         </a:solidFill>
@@ -22038,7 +22016,7 @@
                         </a:rPr>
                         <a:t>-Dateien für die Meeting </a:t>
                       </a:r>
-                      <a:endParaRPr lang="de-DE">
+                      <a:endParaRPr lang="de-DE" dirty="0">
                         <a:solidFill>
                           <a:schemeClr val="bg2"/>
                         </a:solidFill>
@@ -22057,7 +22035,7 @@
                         </a:rPr>
                         <a:t>Protokolle</a:t>
                       </a:r>
-                      <a:endParaRPr lang="de-DE">
+                      <a:endParaRPr lang="de-DE" dirty="0">
                         <a:solidFill>
                           <a:schemeClr val="bg2"/>
                         </a:solidFill>
@@ -22199,7 +22177,7 @@
           <a:lstStyle/>
           <a:p>
             <a:r>
-              <a:rPr lang="de-DE" dirty="0"/>
+              <a:rPr lang="de-DE"/>
               <a:t>Tools</a:t>
             </a:r>
           </a:p>
@@ -22241,7 +22219,7 @@
             </a:pPr>
             <a:fld id="{5546BC51-CAF9-4634-A0F8-2D56E11ED2F3}" type="datetime1">
               <a:rPr lang="de-DE" smtClean="0"/>
-              <a:t>06.11.2022</a:t>
+              <a:t>07.11.2022</a:t>
             </a:fld>
             <a:endParaRPr lang="de-DE"/>
           </a:p>
@@ -22318,18 +22296,18 @@
                         <a:buNone/>
                       </a:pPr>
                       <a:r>
-                        <a:rPr lang="de-DE" sz="1800" b="1" i="0" u="none" strike="noStrike" noProof="0" dirty="0">
+                        <a:rPr lang="de-DE" sz="1800" b="1" i="0" u="none" strike="noStrike" noProof="0">
                           <a:latin typeface="Arial"/>
                         </a:rPr>
                         <a:t>Tableau</a:t>
                       </a:r>
-                      <a:endParaRPr lang="en-US" b="1" dirty="0"/>
+                      <a:endParaRPr lang="en-US" b="1"/>
                     </a:p>
                     <a:p>
                       <a:pPr lvl="0" algn="ctr">
                         <a:buNone/>
                       </a:pPr>
-                      <a:endParaRPr lang="de-DE" sz="1600" b="0" i="0" u="none" strike="noStrike" noProof="0" dirty="0">
+                      <a:endParaRPr lang="de-DE" sz="1600" b="0" i="0" u="none" strike="noStrike" noProof="0">
                         <a:latin typeface="Arial"/>
                       </a:endParaRPr>
                     </a:p>
@@ -22338,7 +22316,7 @@
                         <a:buNone/>
                       </a:pPr>
                       <a:r>
-                        <a:rPr lang="de-DE" sz="1600" b="0" i="0" u="none" strike="noStrike" noProof="0" dirty="0">
+                        <a:rPr lang="de-DE" sz="1600" b="0" i="0" u="none" strike="noStrike" noProof="0">
                           <a:solidFill>
                             <a:schemeClr val="bg2"/>
                           </a:solidFill>
@@ -22357,7 +22335,7 @@
                         <a:buNone/>
                       </a:pPr>
                       <a:r>
-                        <a:rPr lang="de-DE" sz="1600" b="0" i="0" u="none" strike="noStrike" noProof="0" dirty="0">
+                        <a:rPr lang="de-DE" sz="1600" b="0" i="0" u="none" strike="noStrike" noProof="0">
                           <a:solidFill>
                             <a:schemeClr val="bg2"/>
                           </a:solidFill>
@@ -22365,7 +22343,7 @@
                         </a:rPr>
                         <a:t>Zeiterfassung</a:t>
                       </a:r>
-                      <a:endParaRPr lang="de-DE" sz="1600" b="0" i="0" u="none" strike="noStrike" noProof="0" dirty="0">
+                      <a:endParaRPr lang="de-DE" sz="1600" b="0" i="0" u="none" strike="noStrike" noProof="0">
                         <a:solidFill>
                           <a:schemeClr val="bg2"/>
                         </a:solidFill>
@@ -22384,7 +22362,7 @@
                         </a:spcAft>
                         <a:buNone/>
                       </a:pPr>
-                      <a:endParaRPr lang="de-DE" sz="1600" b="0" i="0" u="none" strike="noStrike" noProof="0" dirty="0">
+                      <a:endParaRPr lang="de-DE" sz="1600" b="0" i="0" u="none" strike="noStrike" noProof="0">
                         <a:latin typeface="Arial"/>
                       </a:endParaRPr>
                     </a:p>
@@ -22400,7 +22378,7 @@
                         <a:buNone/>
                       </a:pPr>
                       <a:r>
-                        <a:rPr lang="de-DE" sz="1800" b="1" i="0" u="none" strike="noStrike" noProof="0" dirty="0" err="1"/>
+                        <a:rPr lang="de-DE" sz="1800" b="1" i="0" u="none" strike="noStrike" noProof="0" err="1"/>
                         <a:t>Figma</a:t>
                       </a:r>
                     </a:p>
@@ -22408,7 +22386,7 @@
                       <a:pPr lvl="0" algn="ctr">
                         <a:buNone/>
                       </a:pPr>
-                      <a:endParaRPr lang="de-DE" sz="1800" b="1" i="0" u="none" strike="noStrike" noProof="0" dirty="0"/>
+                      <a:endParaRPr lang="de-DE" sz="1800" b="1" i="0" u="none" strike="noStrike" noProof="0"/>
                     </a:p>
                     <a:p>
                       <a:pPr lvl="0" algn="ctr">
@@ -22424,7 +22402,7 @@
                         <a:buNone/>
                       </a:pPr>
                       <a:r>
-                        <a:rPr lang="de-DE" sz="1600" b="0" i="0" u="none" strike="noStrike" noProof="0" dirty="0">
+                        <a:rPr lang="de-DE" sz="1600" b="0" i="0" u="none" strike="noStrike" noProof="0">
                           <a:solidFill>
                             <a:schemeClr val="bg2"/>
                           </a:solidFill>
@@ -22437,7 +22415,7 @@
                       <a:pPr lvl="0" algn="ctr">
                         <a:buNone/>
                       </a:pPr>
-                      <a:endParaRPr lang="de-DE" sz="1800" b="1" i="0" u="none" strike="noStrike" noProof="0" dirty="0"/>
+                      <a:endParaRPr lang="de-DE" sz="1800" b="1" i="0" u="none" strike="noStrike" noProof="0"/>
                     </a:p>
                   </a:txBody>
                   <a:tcPr/>
@@ -22463,7 +22441,7 @@
                         <a:buNone/>
                       </a:pPr>
                       <a:r>
-                        <a:rPr lang="de-DE" sz="1800" b="1" i="0" u="none" strike="noStrike" noProof="0" dirty="0">
+                        <a:rPr lang="de-DE" sz="1800" b="1" i="0" u="none" strike="noStrike" noProof="0">
                           <a:latin typeface="Arial"/>
                         </a:rPr>
                         <a:t>Diagrams.net,</a:t>
@@ -22484,19 +22462,19 @@
                         <a:buNone/>
                       </a:pPr>
                       <a:r>
-                        <a:rPr lang="de-DE" sz="1800" b="1" i="0" u="none" strike="noStrike" noProof="0" dirty="0">
+                        <a:rPr lang="de-DE" sz="1800" b="1" i="0" u="none" strike="noStrike" noProof="0">
                           <a:latin typeface="Arial"/>
                         </a:rPr>
                         <a:t> </a:t>
                       </a:r>
                       <a:r>
-                        <a:rPr lang="de-DE" sz="1800" b="1" i="0" u="none" strike="noStrike" noProof="0" dirty="0" err="1">
+                        <a:rPr lang="de-DE" sz="1800" b="1" i="0" u="none" strike="noStrike" noProof="0" err="1">
                           <a:latin typeface="Arial"/>
                         </a:rPr>
                         <a:t>Creately</a:t>
                       </a:r>
                       <a:r>
-                        <a:rPr lang="de-DE" sz="1800" b="1" i="0" u="none" strike="noStrike" noProof="0" dirty="0">
+                        <a:rPr lang="de-DE" sz="1800" b="1" i="0" u="none" strike="noStrike" noProof="0">
                           <a:latin typeface="Arial"/>
                         </a:rPr>
                         <a:t>, Software </a:t>
@@ -22516,25 +22494,25 @@
                         <a:buNone/>
                       </a:pPr>
                       <a:r>
-                        <a:rPr lang="de-DE" sz="1800" b="1" i="0" u="none" strike="noStrike" noProof="0" dirty="0" err="1">
+                        <a:rPr lang="de-DE" sz="1800" b="1" i="0" u="none" strike="noStrike" noProof="0" err="1">
                           <a:latin typeface="Arial"/>
                         </a:rPr>
                         <a:t>Ideas</a:t>
                       </a:r>
                       <a:r>
-                        <a:rPr lang="de-DE" sz="1800" b="1" i="0" u="none" strike="noStrike" noProof="0" dirty="0">
+                        <a:rPr lang="de-DE" sz="1800" b="1" i="0" u="none" strike="noStrike" noProof="0">
                           <a:latin typeface="Arial"/>
                         </a:rPr>
                         <a:t> </a:t>
                       </a:r>
                       <a:r>
-                        <a:rPr lang="de-DE" sz="1800" b="1" i="0" u="none" strike="noStrike" noProof="0" dirty="0" err="1">
+                        <a:rPr lang="de-DE" sz="1800" b="1" i="0" u="none" strike="noStrike" noProof="0" err="1">
                           <a:latin typeface="Arial"/>
                         </a:rPr>
                         <a:t>Modeler</a:t>
                       </a:r>
                       <a:r>
-                        <a:rPr lang="de-DE" sz="1800" b="1" i="0" u="none" strike="noStrike" noProof="0" dirty="0">
+                        <a:rPr lang="de-DE" sz="1800" b="1" i="0" u="none" strike="noStrike" noProof="0">
                           <a:latin typeface="Arial"/>
                         </a:rPr>
                         <a:t>, </a:t>
@@ -22555,12 +22533,12 @@
                         <a:buNone/>
                       </a:pPr>
                       <a:r>
-                        <a:rPr lang="de-DE" sz="1800" b="1" i="0" u="none" strike="noStrike" noProof="0" dirty="0" err="1">
+                        <a:rPr lang="de-DE" sz="1800" b="1" i="0" u="none" strike="noStrike" noProof="0" err="1">
                           <a:latin typeface="Arial"/>
                         </a:rPr>
                         <a:t>Onlinegantt</a:t>
                       </a:r>
-                      <a:endParaRPr lang="de-DE" sz="1800" b="1" i="0" u="none" strike="noStrike" noProof="0" dirty="0">
+                      <a:endParaRPr lang="de-DE" sz="1800" b="1" i="0" u="none" strike="noStrike" noProof="0">
                         <a:latin typeface="Arial"/>
                       </a:endParaRPr>
                     </a:p>
@@ -22568,7 +22546,7 @@
                       <a:pPr lvl="0" algn="ctr">
                         <a:buNone/>
                       </a:pPr>
-                      <a:endParaRPr lang="de-DE" sz="1600" b="0" i="0" u="none" strike="noStrike" noProof="0" dirty="0"/>
+                      <a:endParaRPr lang="de-DE" sz="1600" b="0" i="0" u="none" strike="noStrike" noProof="0"/>
                     </a:p>
                   </a:txBody>
                   <a:tcPr/>
@@ -22582,7 +22560,7 @@
                         <a:buNone/>
                       </a:pPr>
                       <a:r>
-                        <a:rPr lang="de-DE" sz="1800" b="1" i="0" u="none" strike="noStrike" noProof="0" dirty="0">
+                        <a:rPr lang="de-DE" sz="1800" b="1" i="0" u="none" strike="noStrike" noProof="0">
                           <a:latin typeface="Arial"/>
                         </a:rPr>
                         <a:t>Microsoft 365</a:t>
@@ -22592,7 +22570,7 @@
                       <a:pPr lvl="0" algn="ctr">
                         <a:buNone/>
                       </a:pPr>
-                      <a:endParaRPr lang="de-DE" sz="1800" b="1" i="0" u="none" strike="noStrike" noProof="0" dirty="0">
+                      <a:endParaRPr lang="de-DE" sz="1800" b="1" i="0" u="none" strike="noStrike" noProof="0">
                         <a:latin typeface="Arial"/>
                       </a:endParaRPr>
                     </a:p>
@@ -22610,7 +22588,7 @@
                         <a:buNone/>
                       </a:pPr>
                       <a:r>
-                        <a:rPr lang="de-DE" sz="1600" b="0" i="0" u="none" strike="noStrike" noProof="0" dirty="0">
+                        <a:rPr lang="de-DE" sz="1600" b="0" i="0" u="none" strike="noStrike" noProof="0">
                           <a:solidFill>
                             <a:schemeClr val="bg2"/>
                           </a:solidFill>
@@ -22622,7 +22600,7 @@
                       <a:pPr lvl="0" algn="ctr">
                         <a:buNone/>
                       </a:pPr>
-                      <a:endParaRPr lang="de-DE" sz="1800" b="1" i="0" u="none" strike="noStrike" noProof="0" dirty="0">
+                      <a:endParaRPr lang="de-DE" sz="1800" b="1" i="0" u="none" strike="noStrike" noProof="0">
                         <a:latin typeface="Arial"/>
                       </a:endParaRPr>
                     </a:p>
@@ -22653,7 +22631,7 @@
                         </a:spcAft>
                         <a:buNone/>
                       </a:pPr>
-                      <a:endParaRPr lang="de-DE" sz="1600" b="0" i="0" u="none" strike="noStrike" noProof="0" dirty="0">
+                      <a:endParaRPr lang="de-DE" sz="1600" b="0" i="0" u="none" strike="noStrike" noProof="0">
                         <a:latin typeface="Arial"/>
                       </a:endParaRPr>
                     </a:p>
@@ -22668,7 +22646,7 @@
                       <a:pPr lvl="0" algn="ctr">
                         <a:buNone/>
                       </a:pPr>
-                      <a:endParaRPr lang="de-DE" sz="1600" b="0" i="0" u="none" strike="noStrike" noProof="0" dirty="0">
+                      <a:endParaRPr lang="de-DE" sz="1600" b="0" i="0" u="none" strike="noStrike" noProof="0">
                         <a:latin typeface="Arial"/>
                       </a:endParaRPr>
                     </a:p>
@@ -22684,7 +22662,7 @@
                         <a:buNone/>
                       </a:pPr>
                       <a:r>
-                        <a:rPr lang="de-DE" sz="1600" b="0" i="0" u="none" strike="noStrike" noProof="0" dirty="0">
+                        <a:rPr lang="de-DE" sz="1600" b="0" i="0" u="none" strike="noStrike" noProof="0">
                           <a:solidFill>
                             <a:schemeClr val="bg2"/>
                           </a:solidFill>
@@ -22692,7 +22670,7 @@
                         </a:rPr>
                         <a:t>Diagramme erstellen</a:t>
                       </a:r>
-                      <a:endParaRPr lang="en-US" dirty="0">
+                      <a:endParaRPr lang="en-US">
                         <a:solidFill>
                           <a:schemeClr val="bg2"/>
                         </a:solidFill>
@@ -22709,7 +22687,7 @@
                       <a:pPr lvl="0" algn="ctr">
                         <a:buNone/>
                       </a:pPr>
-                      <a:endParaRPr lang="de-DE" sz="1600" b="0" i="0" u="none" strike="noStrike" noProof="0" dirty="0"/>
+                      <a:endParaRPr lang="de-DE" sz="1600" b="0" i="0" u="none" strike="noStrike" noProof="0"/>
                     </a:p>
                   </a:txBody>
                   <a:tcPr/>
@@ -24081,6 +24059,12 @@
 </file>
 
 <file path=customXml/item2.xml><?xml version="1.0" encoding="utf-8"?>
+<p:properties xmlns:p="http://schemas.microsoft.com/office/2006/metadata/properties" xmlns:xsi="http://www.w3.org/2001/XMLSchema-instance" xmlns:pc="http://schemas.microsoft.com/office/infopath/2007/PartnerControls">
+  <documentManagement/>
+</p:properties>
+</file>
+
+<file path=customXml/item3.xml><?xml version="1.0" encoding="utf-8"?>
 <ct:contentTypeSchema xmlns:ct="http://schemas.microsoft.com/office/2006/metadata/contentType" xmlns:ma="http://schemas.microsoft.com/office/2006/metadata/properties/metaAttributes" ct:_="" ma:_="" ma:contentTypeName="Dokument" ma:contentTypeID="0x01010020BC5D7F28A59144B0F9EAB0BC3F9A8D" ma:contentTypeVersion="9" ma:contentTypeDescription="Ein neues Dokument erstellen." ma:contentTypeScope="" ma:versionID="d61f42eab9a49463c944b0baa3ac46ac">
   <xsd:schema xmlns:xsd="http://www.w3.org/2001/XMLSchema" xmlns:xs="http://www.w3.org/2001/XMLSchema" xmlns:p="http://schemas.microsoft.com/office/2006/metadata/properties" xmlns:ns3="5c41234c-bf55-4ac6-b914-3e3e83017e4a" xmlns:ns4="416394de-ef24-4dc1-9c00-4e8c5871f4c6" targetNamespace="http://schemas.microsoft.com/office/2006/metadata/properties" ma:root="true" ma:fieldsID="2f975b288f50468dfb45ccf6fe5675a1" ns3:_="" ns4:_="">
     <xsd:import namespace="5c41234c-bf55-4ac6-b914-3e3e83017e4a"/>
@@ -24277,12 +24261,6 @@
 </ct:contentTypeSchema>
 </file>
 
-<file path=customXml/item3.xml><?xml version="1.0" encoding="utf-8"?>
-<p:properties xmlns:p="http://schemas.microsoft.com/office/2006/metadata/properties" xmlns:xsi="http://www.w3.org/2001/XMLSchema-instance" xmlns:pc="http://schemas.microsoft.com/office/infopath/2007/PartnerControls">
-  <documentManagement/>
-</p:properties>
-</file>
-
 <file path=customXml/itemProps1.xml><?xml version="1.0" encoding="utf-8"?>
 <ds:datastoreItem xmlns:ds="http://schemas.openxmlformats.org/officeDocument/2006/customXml" ds:itemID="{2EC53D9D-3FA1-414E-9A80-F612B194B657}">
   <ds:schemaRefs>
@@ -24292,6 +24270,23 @@
 </file>
 
 <file path=customXml/itemProps2.xml><?xml version="1.0" encoding="utf-8"?>
+<ds:datastoreItem xmlns:ds="http://schemas.openxmlformats.org/officeDocument/2006/customXml" ds:itemID="{D0A2B7BD-CFD6-41CE-B6FA-71F92F4158FD}">
+  <ds:schemaRefs>
+    <ds:schemaRef ds:uri="http://www.w3.org/XML/1998/namespace"/>
+    <ds:schemaRef ds:uri="http://purl.org/dc/terms/"/>
+    <ds:schemaRef ds:uri="416394de-ef24-4dc1-9c00-4e8c5871f4c6"/>
+    <ds:schemaRef ds:uri="http://purl.org/dc/elements/1.1/"/>
+    <ds:schemaRef ds:uri="http://schemas.microsoft.com/office/2006/documentManagement/types"/>
+    <ds:schemaRef ds:uri="http://schemas.microsoft.com/office/infopath/2007/PartnerControls"/>
+    <ds:schemaRef ds:uri="http://schemas.microsoft.com/office/2006/metadata/properties"/>
+    <ds:schemaRef ds:uri="http://schemas.openxmlformats.org/package/2006/metadata/core-properties"/>
+    <ds:schemaRef ds:uri="5c41234c-bf55-4ac6-b914-3e3e83017e4a"/>
+    <ds:schemaRef ds:uri="http://purl.org/dc/dcmitype/"/>
+  </ds:schemaRefs>
+</ds:datastoreItem>
+</file>
+
+<file path=customXml/itemProps3.xml><?xml version="1.0" encoding="utf-8"?>
 <ds:datastoreItem xmlns:ds="http://schemas.openxmlformats.org/officeDocument/2006/customXml" ds:itemID="{34534DA9-3D2D-4D43-B74C-BB65569A49C4}">
   <ds:schemaRefs>
     <ds:schemaRef ds:uri="416394de-ef24-4dc1-9c00-4e8c5871f4c6"/>
@@ -24309,21 +24304,4 @@
     <ds:schemaRef ds:uri="http://www.w3.org/2001/XMLSchema"/>
   </ds:schemaRefs>
 </ds:datastoreItem>
-</file>
-
-<file path=customXml/itemProps3.xml><?xml version="1.0" encoding="utf-8"?>
-<ds:datastoreItem xmlns:ds="http://schemas.openxmlformats.org/officeDocument/2006/customXml" ds:itemID="{D0A2B7BD-CFD6-41CE-B6FA-71F92F4158FD}">
-  <ds:schemaRefs>
-    <ds:schemaRef ds:uri="416394de-ef24-4dc1-9c00-4e8c5871f4c6"/>
-    <ds:schemaRef ds:uri="5c41234c-bf55-4ac6-b914-3e3e83017e4a"/>
-    <ds:schemaRef ds:uri="http://purl.org/dc/dcmitype/"/>
-    <ds:schemaRef ds:uri="http://purl.org/dc/elements/1.1/"/>
-    <ds:schemaRef ds:uri="http://purl.org/dc/terms/"/>
-    <ds:schemaRef ds:uri="http://schemas.microsoft.com/office/2006/documentManagement/types"/>
-    <ds:schemaRef ds:uri="http://schemas.microsoft.com/office/2006/metadata/properties"/>
-    <ds:schemaRef ds:uri="http://schemas.microsoft.com/office/infopath/2007/PartnerControls"/>
-    <ds:schemaRef ds:uri="http://schemas.openxmlformats.org/package/2006/metadata/core-properties"/>
-    <ds:schemaRef ds:uri="http://www.w3.org/XML/1998/namespace"/>
-  </ds:schemaRefs>
-</ds:datastoreItem>
 </file>